--- a/Model_Arhitectura_Conceptuala.pptx
+++ b/Model_Arhitectura_Conceptuala.pptx
@@ -402,7 +402,7 @@
           <a:p>
             <a:fld id="{CA5E52B3-BA6E-4DBC-BE70-F09C1CDBB05B}" type="datetimeFigureOut">
               <a:rPr lang="en-US" smtClean="0"/>
-              <a:t>10/28/2023</a:t>
+              <a:t>12/11/2023</a:t>
             </a:fld>
             <a:endParaRPr lang="en-US"/>
           </a:p>
@@ -600,7 +600,7 @@
           <a:p>
             <a:fld id="{CA5E52B3-BA6E-4DBC-BE70-F09C1CDBB05B}" type="datetimeFigureOut">
               <a:rPr lang="en-US" smtClean="0"/>
-              <a:t>10/28/2023</a:t>
+              <a:t>12/11/2023</a:t>
             </a:fld>
             <a:endParaRPr lang="en-US"/>
           </a:p>
@@ -808,7 +808,7 @@
           <a:p>
             <a:fld id="{CA5E52B3-BA6E-4DBC-BE70-F09C1CDBB05B}" type="datetimeFigureOut">
               <a:rPr lang="en-US" smtClean="0"/>
-              <a:t>10/28/2023</a:t>
+              <a:t>12/11/2023</a:t>
             </a:fld>
             <a:endParaRPr lang="en-US"/>
           </a:p>
@@ -1006,7 +1006,7 @@
           <a:p>
             <a:fld id="{CA5E52B3-BA6E-4DBC-BE70-F09C1CDBB05B}" type="datetimeFigureOut">
               <a:rPr lang="en-US" smtClean="0"/>
-              <a:t>10/28/2023</a:t>
+              <a:t>12/11/2023</a:t>
             </a:fld>
             <a:endParaRPr lang="en-US"/>
           </a:p>
@@ -1281,7 +1281,7 @@
           <a:p>
             <a:fld id="{CA5E52B3-BA6E-4DBC-BE70-F09C1CDBB05B}" type="datetimeFigureOut">
               <a:rPr lang="en-US" smtClean="0"/>
-              <a:t>10/28/2023</a:t>
+              <a:t>12/11/2023</a:t>
             </a:fld>
             <a:endParaRPr lang="en-US"/>
           </a:p>
@@ -1546,7 +1546,7 @@
           <a:p>
             <a:fld id="{CA5E52B3-BA6E-4DBC-BE70-F09C1CDBB05B}" type="datetimeFigureOut">
               <a:rPr lang="en-US" smtClean="0"/>
-              <a:t>10/28/2023</a:t>
+              <a:t>12/11/2023</a:t>
             </a:fld>
             <a:endParaRPr lang="en-US"/>
           </a:p>
@@ -1958,7 +1958,7 @@
           <a:p>
             <a:fld id="{CA5E52B3-BA6E-4DBC-BE70-F09C1CDBB05B}" type="datetimeFigureOut">
               <a:rPr lang="en-US" smtClean="0"/>
-              <a:t>10/28/2023</a:t>
+              <a:t>12/11/2023</a:t>
             </a:fld>
             <a:endParaRPr lang="en-US"/>
           </a:p>
@@ -2099,7 +2099,7 @@
           <a:p>
             <a:fld id="{CA5E52B3-BA6E-4DBC-BE70-F09C1CDBB05B}" type="datetimeFigureOut">
               <a:rPr lang="en-US" smtClean="0"/>
-              <a:t>10/28/2023</a:t>
+              <a:t>12/11/2023</a:t>
             </a:fld>
             <a:endParaRPr lang="en-US"/>
           </a:p>
@@ -2212,7 +2212,7 @@
           <a:p>
             <a:fld id="{CA5E52B3-BA6E-4DBC-BE70-F09C1CDBB05B}" type="datetimeFigureOut">
               <a:rPr lang="en-US" smtClean="0"/>
-              <a:t>10/28/2023</a:t>
+              <a:t>12/11/2023</a:t>
             </a:fld>
             <a:endParaRPr lang="en-US"/>
           </a:p>
@@ -2523,7 +2523,7 @@
           <a:p>
             <a:fld id="{CA5E52B3-BA6E-4DBC-BE70-F09C1CDBB05B}" type="datetimeFigureOut">
               <a:rPr lang="en-US" smtClean="0"/>
-              <a:t>10/28/2023</a:t>
+              <a:t>12/11/2023</a:t>
             </a:fld>
             <a:endParaRPr lang="en-US"/>
           </a:p>
@@ -2811,7 +2811,7 @@
           <a:p>
             <a:fld id="{CA5E52B3-BA6E-4DBC-BE70-F09C1CDBB05B}" type="datetimeFigureOut">
               <a:rPr lang="en-US" smtClean="0"/>
-              <a:t>10/28/2023</a:t>
+              <a:t>12/11/2023</a:t>
             </a:fld>
             <a:endParaRPr lang="en-US"/>
           </a:p>
@@ -3052,7 +3052,7 @@
           <a:p>
             <a:fld id="{CA5E52B3-BA6E-4DBC-BE70-F09C1CDBB05B}" type="datetimeFigureOut">
               <a:rPr lang="en-US" smtClean="0"/>
-              <a:t>10/28/2023</a:t>
+              <a:t>12/11/2023</a:t>
             </a:fld>
             <a:endParaRPr lang="en-US"/>
           </a:p>
@@ -3695,7 +3695,7 @@
         </p:nvSpPr>
         <p:spPr>
           <a:xfrm>
-            <a:off x="3687618" y="249660"/>
+            <a:off x="3719834" y="202876"/>
             <a:ext cx="8016443" cy="3549907"/>
           </a:xfrm>
           <a:prstGeom prst="rect">
@@ -3742,7 +3742,7 @@
         </p:nvSpPr>
         <p:spPr>
           <a:xfrm>
-            <a:off x="5788346" y="-237485"/>
+            <a:off x="5692831" y="-390711"/>
             <a:ext cx="2956596" cy="369332"/>
           </a:xfrm>
           <a:prstGeom prst="rect">
@@ -4816,7 +4816,7 @@
         </p:nvSpPr>
         <p:spPr>
           <a:xfrm>
-            <a:off x="6586532" y="7282329"/>
+            <a:off x="2018811" y="6930387"/>
             <a:ext cx="1609725" cy="369332"/>
           </a:xfrm>
           <a:prstGeom prst="rect">
@@ -4852,7 +4852,7 @@
         </p:nvSpPr>
         <p:spPr>
           <a:xfrm>
-            <a:off x="12534767" y="6996499"/>
+            <a:off x="14036713" y="4812409"/>
             <a:ext cx="1609725" cy="369332"/>
           </a:xfrm>
           <a:prstGeom prst="rect">
@@ -4868,10 +4868,9 @@
           <a:p>
             <a:pPr algn="ctr"/>
             <a:r>
-              <a:rPr lang="en-US" b="1"/>
+              <a:rPr lang="en-US" b="1" dirty="0"/>
               <a:t>Data Tier</a:t>
             </a:r>
-            <a:endParaRPr lang="en-US" b="1" dirty="0"/>
           </a:p>
         </p:txBody>
       </p:sp>
@@ -6744,6 +6743,2466 @@
           </a:p>
         </p:txBody>
       </p:sp>
+      <p:sp>
+        <p:nvSpPr>
+          <p:cNvPr id="141" name="Rectangle 140">
+            <a:extLst>
+              <a:ext uri="{FF2B5EF4-FFF2-40B4-BE49-F238E27FC236}">
+                <a16:creationId xmlns:a16="http://schemas.microsoft.com/office/drawing/2014/main" id="{37FE2BEC-5E2D-967E-3A31-7F1532BAD7A4}"/>
+              </a:ext>
+            </a:extLst>
+          </p:cNvPr>
+          <p:cNvSpPr/>
+          <p:nvPr/>
+        </p:nvSpPr>
+        <p:spPr>
+          <a:xfrm>
+            <a:off x="3837024" y="7588735"/>
+            <a:ext cx="8016443" cy="3549907"/>
+          </a:xfrm>
+          <a:prstGeom prst="rect">
+            <a:avLst/>
+          </a:prstGeom>
+          <a:noFill/>
+        </p:spPr>
+        <p:style>
+          <a:lnRef idx="2">
+            <a:schemeClr val="accent1">
+              <a:shade val="50000"/>
+            </a:schemeClr>
+          </a:lnRef>
+          <a:fillRef idx="1">
+            <a:schemeClr val="accent1"/>
+          </a:fillRef>
+          <a:effectRef idx="0">
+            <a:schemeClr val="accent1"/>
+          </a:effectRef>
+          <a:fontRef idx="minor">
+            <a:schemeClr val="lt1"/>
+          </a:fontRef>
+        </p:style>
+        <p:txBody>
+          <a:bodyPr rtlCol="0" anchor="ctr"/>
+          <a:lstStyle/>
+          <a:p>
+            <a:pPr algn="ctr"/>
+            <a:endParaRPr lang="en-US" dirty="0"/>
+          </a:p>
+        </p:txBody>
+      </p:sp>
+      <p:sp>
+        <p:nvSpPr>
+          <p:cNvPr id="142" name="TextBox 141">
+            <a:extLst>
+              <a:ext uri="{FF2B5EF4-FFF2-40B4-BE49-F238E27FC236}">
+                <a16:creationId xmlns:a16="http://schemas.microsoft.com/office/drawing/2014/main" id="{449EF46B-4C63-9F5F-006D-AA2365DA09C8}"/>
+              </a:ext>
+            </a:extLst>
+          </p:cNvPr>
+          <p:cNvSpPr txBox="1"/>
+          <p:nvPr/>
+        </p:nvSpPr>
+        <p:spPr>
+          <a:xfrm>
+            <a:off x="5457202" y="7223186"/>
+            <a:ext cx="3483913" cy="369332"/>
+          </a:xfrm>
+          <a:prstGeom prst="rect">
+            <a:avLst/>
+          </a:prstGeom>
+          <a:noFill/>
+        </p:spPr>
+        <p:txBody>
+          <a:bodyPr wrap="square" rtlCol="0">
+            <a:spAutoFit/>
+          </a:bodyPr>
+          <a:lstStyle/>
+          <a:p>
+            <a:pPr algn="ctr"/>
+            <a:r>
+              <a:rPr lang="en-US" b="1" dirty="0"/>
+              <a:t>Back-end app : Measurement</a:t>
+            </a:r>
+          </a:p>
+        </p:txBody>
+      </p:sp>
+      <p:grpSp>
+        <p:nvGrpSpPr>
+          <p:cNvPr id="143" name="Group 142">
+            <a:extLst>
+              <a:ext uri="{FF2B5EF4-FFF2-40B4-BE49-F238E27FC236}">
+                <a16:creationId xmlns:a16="http://schemas.microsoft.com/office/drawing/2014/main" id="{A09E425B-C7BB-8A51-4B83-4258B37B0F9E}"/>
+              </a:ext>
+            </a:extLst>
+          </p:cNvPr>
+          <p:cNvGrpSpPr/>
+          <p:nvPr/>
+        </p:nvGrpSpPr>
+        <p:grpSpPr>
+          <a:xfrm>
+            <a:off x="6600391" y="7970921"/>
+            <a:ext cx="2136343" cy="1375726"/>
+            <a:chOff x="5483657" y="1005524"/>
+            <a:chExt cx="2136343" cy="1375726"/>
+          </a:xfrm>
+        </p:grpSpPr>
+        <p:sp>
+          <p:nvSpPr>
+            <p:cNvPr id="144" name="Rectangle 143">
+              <a:extLst>
+                <a:ext uri="{FF2B5EF4-FFF2-40B4-BE49-F238E27FC236}">
+                  <a16:creationId xmlns:a16="http://schemas.microsoft.com/office/drawing/2014/main" id="{B65A2A8C-DEBD-05A6-67CC-C0050D5267A5}"/>
+                </a:ext>
+              </a:extLst>
+            </p:cNvPr>
+            <p:cNvSpPr/>
+            <p:nvPr/>
+          </p:nvSpPr>
+          <p:spPr>
+            <a:xfrm>
+              <a:off x="5483657" y="1017648"/>
+              <a:ext cx="2136343" cy="1363602"/>
+            </a:xfrm>
+            <a:prstGeom prst="rect">
+              <a:avLst/>
+            </a:prstGeom>
+            <a:noFill/>
+          </p:spPr>
+          <p:style>
+            <a:lnRef idx="2">
+              <a:schemeClr val="accent1">
+                <a:shade val="50000"/>
+              </a:schemeClr>
+            </a:lnRef>
+            <a:fillRef idx="1">
+              <a:schemeClr val="accent1"/>
+            </a:fillRef>
+            <a:effectRef idx="0">
+              <a:schemeClr val="accent1"/>
+            </a:effectRef>
+            <a:fontRef idx="minor">
+              <a:schemeClr val="lt1"/>
+            </a:fontRef>
+          </p:style>
+          <p:txBody>
+            <a:bodyPr rtlCol="0" anchor="ctr"/>
+            <a:lstStyle/>
+            <a:p>
+              <a:pPr algn="ctr"/>
+              <a:endParaRPr lang="en-US" dirty="0">
+                <a:solidFill>
+                  <a:schemeClr val="tx1"/>
+                </a:solidFill>
+              </a:endParaRPr>
+            </a:p>
+          </p:txBody>
+        </p:sp>
+        <p:sp>
+          <p:nvSpPr>
+            <p:cNvPr id="145" name="TextBox 144">
+              <a:extLst>
+                <a:ext uri="{FF2B5EF4-FFF2-40B4-BE49-F238E27FC236}">
+                  <a16:creationId xmlns:a16="http://schemas.microsoft.com/office/drawing/2014/main" id="{EC088D6C-DD35-BA3B-BAC3-796725CED361}"/>
+                </a:ext>
+              </a:extLst>
+            </p:cNvPr>
+            <p:cNvSpPr txBox="1"/>
+            <p:nvPr/>
+          </p:nvSpPr>
+          <p:spPr>
+            <a:xfrm>
+              <a:off x="5795383" y="1005524"/>
+              <a:ext cx="1609725" cy="369332"/>
+            </a:xfrm>
+            <a:prstGeom prst="rect">
+              <a:avLst/>
+            </a:prstGeom>
+            <a:noFill/>
+          </p:spPr>
+          <p:txBody>
+            <a:bodyPr wrap="square" rtlCol="0">
+              <a:spAutoFit/>
+            </a:bodyPr>
+            <a:lstStyle/>
+            <a:p>
+              <a:pPr algn="ctr"/>
+              <a:r>
+                <a:rPr lang="en-US" b="1" dirty="0"/>
+                <a:t>Controllers</a:t>
+              </a:r>
+            </a:p>
+          </p:txBody>
+        </p:sp>
+      </p:grpSp>
+      <p:grpSp>
+        <p:nvGrpSpPr>
+          <p:cNvPr id="147" name="Group 146">
+            <a:extLst>
+              <a:ext uri="{FF2B5EF4-FFF2-40B4-BE49-F238E27FC236}">
+                <a16:creationId xmlns:a16="http://schemas.microsoft.com/office/drawing/2014/main" id="{45BDF145-55C9-7882-3688-9FCCA4C674B6}"/>
+              </a:ext>
+            </a:extLst>
+          </p:cNvPr>
+          <p:cNvGrpSpPr/>
+          <p:nvPr/>
+        </p:nvGrpSpPr>
+        <p:grpSpPr>
+          <a:xfrm>
+            <a:off x="6476651" y="9645121"/>
+            <a:ext cx="2396662" cy="1375726"/>
+            <a:chOff x="5389286" y="2696647"/>
+            <a:chExt cx="2396662" cy="1375726"/>
+          </a:xfrm>
+        </p:grpSpPr>
+        <p:sp>
+          <p:nvSpPr>
+            <p:cNvPr id="148" name="Rectangle 147">
+              <a:extLst>
+                <a:ext uri="{FF2B5EF4-FFF2-40B4-BE49-F238E27FC236}">
+                  <a16:creationId xmlns:a16="http://schemas.microsoft.com/office/drawing/2014/main" id="{DFA36D99-BDE6-EAB3-B970-A94C1D7592E4}"/>
+                </a:ext>
+              </a:extLst>
+            </p:cNvPr>
+            <p:cNvSpPr/>
+            <p:nvPr/>
+          </p:nvSpPr>
+          <p:spPr>
+            <a:xfrm>
+              <a:off x="5483657" y="2708771"/>
+              <a:ext cx="2136343" cy="1363602"/>
+            </a:xfrm>
+            <a:prstGeom prst="rect">
+              <a:avLst/>
+            </a:prstGeom>
+            <a:noFill/>
+          </p:spPr>
+          <p:style>
+            <a:lnRef idx="2">
+              <a:schemeClr val="accent1">
+                <a:shade val="50000"/>
+              </a:schemeClr>
+            </a:lnRef>
+            <a:fillRef idx="1">
+              <a:schemeClr val="accent1"/>
+            </a:fillRef>
+            <a:effectRef idx="0">
+              <a:schemeClr val="accent1"/>
+            </a:effectRef>
+            <a:fontRef idx="minor">
+              <a:schemeClr val="lt1"/>
+            </a:fontRef>
+          </p:style>
+          <p:txBody>
+            <a:bodyPr rtlCol="0" anchor="ctr"/>
+            <a:lstStyle/>
+            <a:p>
+              <a:pPr algn="ctr"/>
+              <a:endParaRPr lang="en-US" dirty="0">
+                <a:solidFill>
+                  <a:schemeClr val="tx1"/>
+                </a:solidFill>
+              </a:endParaRPr>
+            </a:p>
+          </p:txBody>
+        </p:sp>
+        <p:sp>
+          <p:nvSpPr>
+            <p:cNvPr id="149" name="TextBox 148">
+              <a:extLst>
+                <a:ext uri="{FF2B5EF4-FFF2-40B4-BE49-F238E27FC236}">
+                  <a16:creationId xmlns:a16="http://schemas.microsoft.com/office/drawing/2014/main" id="{1C188019-6807-D37E-5289-5F095E034DC6}"/>
+                </a:ext>
+              </a:extLst>
+            </p:cNvPr>
+            <p:cNvSpPr txBox="1"/>
+            <p:nvPr/>
+          </p:nvSpPr>
+          <p:spPr>
+            <a:xfrm>
+              <a:off x="5795383" y="2696647"/>
+              <a:ext cx="1609725" cy="369332"/>
+            </a:xfrm>
+            <a:prstGeom prst="rect">
+              <a:avLst/>
+            </a:prstGeom>
+            <a:noFill/>
+          </p:spPr>
+          <p:txBody>
+            <a:bodyPr wrap="square" rtlCol="0">
+              <a:spAutoFit/>
+            </a:bodyPr>
+            <a:lstStyle/>
+            <a:p>
+              <a:pPr algn="ctr"/>
+              <a:r>
+                <a:rPr lang="en-US" b="1" dirty="0"/>
+                <a:t>Services</a:t>
+              </a:r>
+            </a:p>
+          </p:txBody>
+        </p:sp>
+        <p:sp>
+          <p:nvSpPr>
+            <p:cNvPr id="150" name="Rectangle 149">
+              <a:extLst>
+                <a:ext uri="{FF2B5EF4-FFF2-40B4-BE49-F238E27FC236}">
+                  <a16:creationId xmlns:a16="http://schemas.microsoft.com/office/drawing/2014/main" id="{CBF06552-0F95-82B7-40FF-D70FF3077FED}"/>
+                </a:ext>
+              </a:extLst>
+            </p:cNvPr>
+            <p:cNvSpPr/>
+            <p:nvPr/>
+          </p:nvSpPr>
+          <p:spPr>
+            <a:xfrm>
+              <a:off x="5389286" y="2961714"/>
+              <a:ext cx="2396662" cy="470438"/>
+            </a:xfrm>
+            <a:prstGeom prst="rect">
+              <a:avLst/>
+            </a:prstGeom>
+            <a:noFill/>
+          </p:spPr>
+          <p:style>
+            <a:lnRef idx="2">
+              <a:schemeClr val="accent1">
+                <a:shade val="50000"/>
+              </a:schemeClr>
+            </a:lnRef>
+            <a:fillRef idx="1">
+              <a:schemeClr val="accent1"/>
+            </a:fillRef>
+            <a:effectRef idx="0">
+              <a:schemeClr val="accent1"/>
+            </a:effectRef>
+            <a:fontRef idx="minor">
+              <a:schemeClr val="lt1"/>
+            </a:fontRef>
+          </p:style>
+          <p:txBody>
+            <a:bodyPr rtlCol="0" anchor="ctr"/>
+            <a:lstStyle/>
+            <a:p>
+              <a:pPr algn="ctr"/>
+              <a:r>
+                <a:rPr lang="en-US" dirty="0">
+                  <a:solidFill>
+                    <a:schemeClr val="tx1"/>
+                  </a:solidFill>
+                </a:rPr>
+                <a:t>MeasurementService</a:t>
+              </a:r>
+            </a:p>
+          </p:txBody>
+        </p:sp>
+      </p:grpSp>
+      <p:grpSp>
+        <p:nvGrpSpPr>
+          <p:cNvPr id="151" name="Group 150">
+            <a:extLst>
+              <a:ext uri="{FF2B5EF4-FFF2-40B4-BE49-F238E27FC236}">
+                <a16:creationId xmlns:a16="http://schemas.microsoft.com/office/drawing/2014/main" id="{7D6D8AA4-8334-C6F6-E5C1-46CE09D2FD93}"/>
+              </a:ext>
+            </a:extLst>
+          </p:cNvPr>
+          <p:cNvGrpSpPr/>
+          <p:nvPr/>
+        </p:nvGrpSpPr>
+        <p:grpSpPr>
+          <a:xfrm>
+            <a:off x="9409245" y="9739538"/>
+            <a:ext cx="2136343" cy="1375726"/>
+            <a:chOff x="5483657" y="4453373"/>
+            <a:chExt cx="2136343" cy="1375726"/>
+          </a:xfrm>
+        </p:grpSpPr>
+        <p:sp>
+          <p:nvSpPr>
+            <p:cNvPr id="152" name="Rectangle 151">
+              <a:extLst>
+                <a:ext uri="{FF2B5EF4-FFF2-40B4-BE49-F238E27FC236}">
+                  <a16:creationId xmlns:a16="http://schemas.microsoft.com/office/drawing/2014/main" id="{911FA4A5-C8FE-C014-863D-3DCC2C577AD7}"/>
+                </a:ext>
+              </a:extLst>
+            </p:cNvPr>
+            <p:cNvSpPr/>
+            <p:nvPr/>
+          </p:nvSpPr>
+          <p:spPr>
+            <a:xfrm>
+              <a:off x="5483657" y="4465497"/>
+              <a:ext cx="2136343" cy="1363602"/>
+            </a:xfrm>
+            <a:prstGeom prst="rect">
+              <a:avLst/>
+            </a:prstGeom>
+            <a:noFill/>
+          </p:spPr>
+          <p:style>
+            <a:lnRef idx="2">
+              <a:schemeClr val="accent1">
+                <a:shade val="50000"/>
+              </a:schemeClr>
+            </a:lnRef>
+            <a:fillRef idx="1">
+              <a:schemeClr val="accent1"/>
+            </a:fillRef>
+            <a:effectRef idx="0">
+              <a:schemeClr val="accent1"/>
+            </a:effectRef>
+            <a:fontRef idx="minor">
+              <a:schemeClr val="lt1"/>
+            </a:fontRef>
+          </p:style>
+          <p:txBody>
+            <a:bodyPr rtlCol="0" anchor="ctr"/>
+            <a:lstStyle/>
+            <a:p>
+              <a:pPr algn="ctr"/>
+              <a:endParaRPr lang="en-US" dirty="0">
+                <a:solidFill>
+                  <a:schemeClr val="tx1"/>
+                </a:solidFill>
+              </a:endParaRPr>
+            </a:p>
+          </p:txBody>
+        </p:sp>
+        <p:sp>
+          <p:nvSpPr>
+            <p:cNvPr id="153" name="TextBox 152">
+              <a:extLst>
+                <a:ext uri="{FF2B5EF4-FFF2-40B4-BE49-F238E27FC236}">
+                  <a16:creationId xmlns:a16="http://schemas.microsoft.com/office/drawing/2014/main" id="{35D0C738-D3C2-89A1-CE99-5B481868C033}"/>
+                </a:ext>
+              </a:extLst>
+            </p:cNvPr>
+            <p:cNvSpPr txBox="1"/>
+            <p:nvPr/>
+          </p:nvSpPr>
+          <p:spPr>
+            <a:xfrm>
+              <a:off x="5795383" y="4453373"/>
+              <a:ext cx="1609725" cy="369332"/>
+            </a:xfrm>
+            <a:prstGeom prst="rect">
+              <a:avLst/>
+            </a:prstGeom>
+            <a:noFill/>
+          </p:spPr>
+          <p:txBody>
+            <a:bodyPr wrap="square" rtlCol="0">
+              <a:spAutoFit/>
+            </a:bodyPr>
+            <a:lstStyle/>
+            <a:p>
+              <a:pPr algn="ctr"/>
+              <a:r>
+                <a:rPr lang="en-US" b="1" dirty="0"/>
+                <a:t>Repositories</a:t>
+              </a:r>
+            </a:p>
+          </p:txBody>
+        </p:sp>
+        <p:sp>
+          <p:nvSpPr>
+            <p:cNvPr id="154" name="Rectangle 153">
+              <a:extLst>
+                <a:ext uri="{FF2B5EF4-FFF2-40B4-BE49-F238E27FC236}">
+                  <a16:creationId xmlns:a16="http://schemas.microsoft.com/office/drawing/2014/main" id="{7E9FCD69-73BD-DA37-A742-E0AA1B536A01}"/>
+                </a:ext>
+              </a:extLst>
+            </p:cNvPr>
+            <p:cNvSpPr/>
+            <p:nvPr/>
+          </p:nvSpPr>
+          <p:spPr>
+            <a:xfrm>
+              <a:off x="5723941" y="4748858"/>
+              <a:ext cx="1752608" cy="551007"/>
+            </a:xfrm>
+            <a:prstGeom prst="rect">
+              <a:avLst/>
+            </a:prstGeom>
+            <a:noFill/>
+          </p:spPr>
+          <p:style>
+            <a:lnRef idx="2">
+              <a:schemeClr val="accent1">
+                <a:shade val="50000"/>
+              </a:schemeClr>
+            </a:lnRef>
+            <a:fillRef idx="1">
+              <a:schemeClr val="accent1"/>
+            </a:fillRef>
+            <a:effectRef idx="0">
+              <a:schemeClr val="accent1"/>
+            </a:effectRef>
+            <a:fontRef idx="minor">
+              <a:schemeClr val="lt1"/>
+            </a:fontRef>
+          </p:style>
+          <p:txBody>
+            <a:bodyPr rtlCol="0" anchor="ctr"/>
+            <a:lstStyle/>
+            <a:p>
+              <a:pPr algn="ctr"/>
+              <a:r>
+                <a:rPr lang="en-US" dirty="0">
+                  <a:solidFill>
+                    <a:schemeClr val="tx1"/>
+                  </a:solidFill>
+                </a:rPr>
+                <a:t>Measurement</a:t>
+              </a:r>
+            </a:p>
+            <a:p>
+              <a:pPr algn="ctr"/>
+              <a:r>
+                <a:rPr lang="en-US" dirty="0">
+                  <a:solidFill>
+                    <a:schemeClr val="tx1"/>
+                  </a:solidFill>
+                </a:rPr>
+                <a:t>Repository</a:t>
+              </a:r>
+            </a:p>
+          </p:txBody>
+        </p:sp>
+      </p:grpSp>
+      <p:grpSp>
+        <p:nvGrpSpPr>
+          <p:cNvPr id="155" name="Group 154">
+            <a:extLst>
+              <a:ext uri="{FF2B5EF4-FFF2-40B4-BE49-F238E27FC236}">
+                <a16:creationId xmlns:a16="http://schemas.microsoft.com/office/drawing/2014/main" id="{2D773183-CEA9-C1DB-97E6-B14E827B3BBE}"/>
+              </a:ext>
+            </a:extLst>
+          </p:cNvPr>
+          <p:cNvGrpSpPr/>
+          <p:nvPr/>
+        </p:nvGrpSpPr>
+        <p:grpSpPr>
+          <a:xfrm>
+            <a:off x="9430036" y="7860736"/>
+            <a:ext cx="2136343" cy="1655165"/>
+            <a:chOff x="8376446" y="3204834"/>
+            <a:chExt cx="2136343" cy="1655165"/>
+          </a:xfrm>
+        </p:grpSpPr>
+        <p:sp>
+          <p:nvSpPr>
+            <p:cNvPr id="156" name="TextBox 155">
+              <a:extLst>
+                <a:ext uri="{FF2B5EF4-FFF2-40B4-BE49-F238E27FC236}">
+                  <a16:creationId xmlns:a16="http://schemas.microsoft.com/office/drawing/2014/main" id="{52940F24-ABEA-5E22-92C5-72934E4C539D}"/>
+                </a:ext>
+              </a:extLst>
+            </p:cNvPr>
+            <p:cNvSpPr txBox="1"/>
+            <p:nvPr/>
+          </p:nvSpPr>
+          <p:spPr>
+            <a:xfrm>
+              <a:off x="8566515" y="3204834"/>
+              <a:ext cx="1609725" cy="369332"/>
+            </a:xfrm>
+            <a:prstGeom prst="rect">
+              <a:avLst/>
+            </a:prstGeom>
+            <a:noFill/>
+          </p:spPr>
+          <p:txBody>
+            <a:bodyPr wrap="square" rtlCol="0">
+              <a:spAutoFit/>
+            </a:bodyPr>
+            <a:lstStyle/>
+            <a:p>
+              <a:pPr algn="ctr"/>
+              <a:r>
+                <a:rPr lang="en-US" b="1" dirty="0"/>
+                <a:t>Entities</a:t>
+              </a:r>
+            </a:p>
+          </p:txBody>
+        </p:sp>
+        <p:sp>
+          <p:nvSpPr>
+            <p:cNvPr id="157" name="Rectangle 156">
+              <a:extLst>
+                <a:ext uri="{FF2B5EF4-FFF2-40B4-BE49-F238E27FC236}">
+                  <a16:creationId xmlns:a16="http://schemas.microsoft.com/office/drawing/2014/main" id="{CFE87DA7-8C60-50A5-0E38-4F1175814E8B}"/>
+                </a:ext>
+              </a:extLst>
+            </p:cNvPr>
+            <p:cNvSpPr/>
+            <p:nvPr/>
+          </p:nvSpPr>
+          <p:spPr>
+            <a:xfrm>
+              <a:off x="8376446" y="3496397"/>
+              <a:ext cx="2136343" cy="1363602"/>
+            </a:xfrm>
+            <a:prstGeom prst="rect">
+              <a:avLst/>
+            </a:prstGeom>
+            <a:noFill/>
+          </p:spPr>
+          <p:style>
+            <a:lnRef idx="2">
+              <a:schemeClr val="accent1">
+                <a:shade val="50000"/>
+              </a:schemeClr>
+            </a:lnRef>
+            <a:fillRef idx="1">
+              <a:schemeClr val="accent1"/>
+            </a:fillRef>
+            <a:effectRef idx="0">
+              <a:schemeClr val="accent1"/>
+            </a:effectRef>
+            <a:fontRef idx="minor">
+              <a:schemeClr val="lt1"/>
+            </a:fontRef>
+          </p:style>
+          <p:txBody>
+            <a:bodyPr rtlCol="0" anchor="ctr"/>
+            <a:lstStyle/>
+            <a:p>
+              <a:pPr algn="ctr"/>
+              <a:endParaRPr lang="en-US" dirty="0">
+                <a:solidFill>
+                  <a:schemeClr val="tx1"/>
+                </a:solidFill>
+              </a:endParaRPr>
+            </a:p>
+          </p:txBody>
+        </p:sp>
+      </p:grpSp>
+      <p:cxnSp>
+        <p:nvCxnSpPr>
+          <p:cNvPr id="158" name="Straight Arrow Connector 157">
+            <a:extLst>
+              <a:ext uri="{FF2B5EF4-FFF2-40B4-BE49-F238E27FC236}">
+                <a16:creationId xmlns:a16="http://schemas.microsoft.com/office/drawing/2014/main" id="{F3D71CE5-2F45-60BA-864B-142495B04B96}"/>
+              </a:ext>
+            </a:extLst>
+          </p:cNvPr>
+          <p:cNvCxnSpPr>
+            <a:stCxn id="144" idx="2"/>
+            <a:endCxn id="149" idx="0"/>
+          </p:cNvCxnSpPr>
+          <p:nvPr/>
+        </p:nvCxnSpPr>
+        <p:spPr>
+          <a:xfrm>
+            <a:off x="7668563" y="9346647"/>
+            <a:ext cx="19048" cy="298474"/>
+          </a:xfrm>
+          <a:prstGeom prst="straightConnector1">
+            <a:avLst/>
+          </a:prstGeom>
+          <a:ln>
+            <a:tailEnd type="triangle"/>
+          </a:ln>
+        </p:spPr>
+        <p:style>
+          <a:lnRef idx="1">
+            <a:schemeClr val="accent1"/>
+          </a:lnRef>
+          <a:fillRef idx="0">
+            <a:schemeClr val="accent1"/>
+          </a:fillRef>
+          <a:effectRef idx="0">
+            <a:schemeClr val="accent1"/>
+          </a:effectRef>
+          <a:fontRef idx="minor">
+            <a:schemeClr val="tx1"/>
+          </a:fontRef>
+        </p:style>
+      </p:cxnSp>
+      <p:cxnSp>
+        <p:nvCxnSpPr>
+          <p:cNvPr id="159" name="Straight Arrow Connector 158">
+            <a:extLst>
+              <a:ext uri="{FF2B5EF4-FFF2-40B4-BE49-F238E27FC236}">
+                <a16:creationId xmlns:a16="http://schemas.microsoft.com/office/drawing/2014/main" id="{37BF6402-C6D8-232C-FB04-278B3BC18AC7}"/>
+              </a:ext>
+            </a:extLst>
+          </p:cNvPr>
+          <p:cNvCxnSpPr>
+            <a:cxnSpLocks/>
+            <a:stCxn id="148" idx="3"/>
+            <a:endCxn id="152" idx="1"/>
+          </p:cNvCxnSpPr>
+          <p:nvPr/>
+        </p:nvCxnSpPr>
+        <p:spPr>
+          <a:xfrm>
+            <a:off x="8707365" y="10339046"/>
+            <a:ext cx="701880" cy="94417"/>
+          </a:xfrm>
+          <a:prstGeom prst="straightConnector1">
+            <a:avLst/>
+          </a:prstGeom>
+          <a:ln>
+            <a:tailEnd type="triangle"/>
+          </a:ln>
+        </p:spPr>
+        <p:style>
+          <a:lnRef idx="1">
+            <a:schemeClr val="accent1"/>
+          </a:lnRef>
+          <a:fillRef idx="0">
+            <a:schemeClr val="accent1"/>
+          </a:fillRef>
+          <a:effectRef idx="0">
+            <a:schemeClr val="accent1"/>
+          </a:effectRef>
+          <a:fontRef idx="minor">
+            <a:schemeClr val="tx1"/>
+          </a:fontRef>
+        </p:style>
+      </p:cxnSp>
+      <p:grpSp>
+        <p:nvGrpSpPr>
+          <p:cNvPr id="160" name="Group 159">
+            <a:extLst>
+              <a:ext uri="{FF2B5EF4-FFF2-40B4-BE49-F238E27FC236}">
+                <a16:creationId xmlns:a16="http://schemas.microsoft.com/office/drawing/2014/main" id="{A9AD080B-2FD0-BBAE-21DD-4DAAE82BEBF8}"/>
+              </a:ext>
+            </a:extLst>
+          </p:cNvPr>
+          <p:cNvGrpSpPr/>
+          <p:nvPr/>
+        </p:nvGrpSpPr>
+        <p:grpSpPr>
+          <a:xfrm>
+            <a:off x="3954214" y="7756248"/>
+            <a:ext cx="2136343" cy="2149303"/>
+            <a:chOff x="8376446" y="2710696"/>
+            <a:chExt cx="2136343" cy="2149303"/>
+          </a:xfrm>
+        </p:grpSpPr>
+        <p:sp>
+          <p:nvSpPr>
+            <p:cNvPr id="161" name="TextBox 160">
+              <a:extLst>
+                <a:ext uri="{FF2B5EF4-FFF2-40B4-BE49-F238E27FC236}">
+                  <a16:creationId xmlns:a16="http://schemas.microsoft.com/office/drawing/2014/main" id="{A2932DC9-20A1-654E-75E4-B2D72326BF33}"/>
+                </a:ext>
+              </a:extLst>
+            </p:cNvPr>
+            <p:cNvSpPr txBox="1"/>
+            <p:nvPr/>
+          </p:nvSpPr>
+          <p:spPr>
+            <a:xfrm>
+              <a:off x="8524479" y="2710696"/>
+              <a:ext cx="1609725" cy="646331"/>
+            </a:xfrm>
+            <a:prstGeom prst="rect">
+              <a:avLst/>
+            </a:prstGeom>
+            <a:noFill/>
+          </p:spPr>
+          <p:txBody>
+            <a:bodyPr wrap="square" rtlCol="0">
+              <a:spAutoFit/>
+            </a:bodyPr>
+            <a:lstStyle/>
+            <a:p>
+              <a:pPr algn="ctr"/>
+              <a:r>
+                <a:rPr lang="en-US" b="1" dirty="0"/>
+                <a:t>Data Transfer Objects</a:t>
+              </a:r>
+            </a:p>
+          </p:txBody>
+        </p:sp>
+        <p:sp>
+          <p:nvSpPr>
+            <p:cNvPr id="162" name="Rectangle 161">
+              <a:extLst>
+                <a:ext uri="{FF2B5EF4-FFF2-40B4-BE49-F238E27FC236}">
+                  <a16:creationId xmlns:a16="http://schemas.microsoft.com/office/drawing/2014/main" id="{3A290F11-17C0-D155-2923-C01EE5B6757C}"/>
+                </a:ext>
+              </a:extLst>
+            </p:cNvPr>
+            <p:cNvSpPr/>
+            <p:nvPr/>
+          </p:nvSpPr>
+          <p:spPr>
+            <a:xfrm>
+              <a:off x="8376446" y="3496397"/>
+              <a:ext cx="2136343" cy="1363602"/>
+            </a:xfrm>
+            <a:prstGeom prst="rect">
+              <a:avLst/>
+            </a:prstGeom>
+            <a:noFill/>
+          </p:spPr>
+          <p:style>
+            <a:lnRef idx="2">
+              <a:schemeClr val="accent1">
+                <a:shade val="50000"/>
+              </a:schemeClr>
+            </a:lnRef>
+            <a:fillRef idx="1">
+              <a:schemeClr val="accent1"/>
+            </a:fillRef>
+            <a:effectRef idx="0">
+              <a:schemeClr val="accent1"/>
+            </a:effectRef>
+            <a:fontRef idx="minor">
+              <a:schemeClr val="lt1"/>
+            </a:fontRef>
+          </p:style>
+          <p:txBody>
+            <a:bodyPr rtlCol="0" anchor="ctr"/>
+            <a:lstStyle/>
+            <a:p>
+              <a:pPr algn="ctr"/>
+              <a:endParaRPr lang="en-US" dirty="0">
+                <a:solidFill>
+                  <a:schemeClr val="tx1"/>
+                </a:solidFill>
+              </a:endParaRPr>
+            </a:p>
+          </p:txBody>
+        </p:sp>
+      </p:grpSp>
+      <p:cxnSp>
+        <p:nvCxnSpPr>
+          <p:cNvPr id="163" name="Straight Arrow Connector 162">
+            <a:extLst>
+              <a:ext uri="{FF2B5EF4-FFF2-40B4-BE49-F238E27FC236}">
+                <a16:creationId xmlns:a16="http://schemas.microsoft.com/office/drawing/2014/main" id="{E07E91C8-83E2-17AC-2127-CCE66049FF1E}"/>
+              </a:ext>
+            </a:extLst>
+          </p:cNvPr>
+          <p:cNvCxnSpPr>
+            <a:cxnSpLocks/>
+            <a:stCxn id="148" idx="1"/>
+            <a:endCxn id="162" idx="3"/>
+          </p:cNvCxnSpPr>
+          <p:nvPr/>
+        </p:nvCxnSpPr>
+        <p:spPr>
+          <a:xfrm flipH="1" flipV="1">
+            <a:off x="6090557" y="9223750"/>
+            <a:ext cx="480465" cy="1115296"/>
+          </a:xfrm>
+          <a:prstGeom prst="straightConnector1">
+            <a:avLst/>
+          </a:prstGeom>
+          <a:ln>
+            <a:tailEnd type="triangle"/>
+          </a:ln>
+        </p:spPr>
+        <p:style>
+          <a:lnRef idx="1">
+            <a:schemeClr val="accent1"/>
+          </a:lnRef>
+          <a:fillRef idx="0">
+            <a:schemeClr val="accent1"/>
+          </a:fillRef>
+          <a:effectRef idx="0">
+            <a:schemeClr val="accent1"/>
+          </a:effectRef>
+          <a:fontRef idx="minor">
+            <a:schemeClr val="tx1"/>
+          </a:fontRef>
+        </p:style>
+      </p:cxnSp>
+      <p:cxnSp>
+        <p:nvCxnSpPr>
+          <p:cNvPr id="164" name="Straight Arrow Connector 163">
+            <a:extLst>
+              <a:ext uri="{FF2B5EF4-FFF2-40B4-BE49-F238E27FC236}">
+                <a16:creationId xmlns:a16="http://schemas.microsoft.com/office/drawing/2014/main" id="{E09A2590-A497-1D84-7BB3-FD9DEC44727D}"/>
+              </a:ext>
+            </a:extLst>
+          </p:cNvPr>
+          <p:cNvCxnSpPr>
+            <a:cxnSpLocks/>
+            <a:stCxn id="144" idx="1"/>
+          </p:cNvCxnSpPr>
+          <p:nvPr/>
+        </p:nvCxnSpPr>
+        <p:spPr>
+          <a:xfrm flipH="1">
+            <a:off x="6043032" y="8664846"/>
+            <a:ext cx="557359" cy="169254"/>
+          </a:xfrm>
+          <a:prstGeom prst="straightConnector1">
+            <a:avLst/>
+          </a:prstGeom>
+          <a:ln>
+            <a:tailEnd type="triangle"/>
+          </a:ln>
+        </p:spPr>
+        <p:style>
+          <a:lnRef idx="1">
+            <a:schemeClr val="accent1"/>
+          </a:lnRef>
+          <a:fillRef idx="0">
+            <a:schemeClr val="accent1"/>
+          </a:fillRef>
+          <a:effectRef idx="0">
+            <a:schemeClr val="accent1"/>
+          </a:effectRef>
+          <a:fontRef idx="minor">
+            <a:schemeClr val="tx1"/>
+          </a:fontRef>
+        </p:style>
+      </p:cxnSp>
+      <p:cxnSp>
+        <p:nvCxnSpPr>
+          <p:cNvPr id="165" name="Straight Arrow Connector 164">
+            <a:extLst>
+              <a:ext uri="{FF2B5EF4-FFF2-40B4-BE49-F238E27FC236}">
+                <a16:creationId xmlns:a16="http://schemas.microsoft.com/office/drawing/2014/main" id="{6D8B1AAD-8EF8-4874-0CAD-A6392B912391}"/>
+              </a:ext>
+            </a:extLst>
+          </p:cNvPr>
+          <p:cNvCxnSpPr>
+            <a:cxnSpLocks/>
+            <a:endCxn id="157" idx="1"/>
+          </p:cNvCxnSpPr>
+          <p:nvPr/>
+        </p:nvCxnSpPr>
+        <p:spPr>
+          <a:xfrm flipV="1">
+            <a:off x="8653563" y="8834100"/>
+            <a:ext cx="776473" cy="1024179"/>
+          </a:xfrm>
+          <a:prstGeom prst="straightConnector1">
+            <a:avLst/>
+          </a:prstGeom>
+          <a:ln>
+            <a:tailEnd type="triangle"/>
+          </a:ln>
+        </p:spPr>
+        <p:style>
+          <a:lnRef idx="1">
+            <a:schemeClr val="accent1"/>
+          </a:lnRef>
+          <a:fillRef idx="0">
+            <a:schemeClr val="accent1"/>
+          </a:fillRef>
+          <a:effectRef idx="0">
+            <a:schemeClr val="accent1"/>
+          </a:effectRef>
+          <a:fontRef idx="minor">
+            <a:schemeClr val="tx1"/>
+          </a:fontRef>
+        </p:style>
+      </p:cxnSp>
+      <p:cxnSp>
+        <p:nvCxnSpPr>
+          <p:cNvPr id="166" name="Straight Arrow Connector 165">
+            <a:extLst>
+              <a:ext uri="{FF2B5EF4-FFF2-40B4-BE49-F238E27FC236}">
+                <a16:creationId xmlns:a16="http://schemas.microsoft.com/office/drawing/2014/main" id="{D5DBA28C-445F-1AA9-ECF6-FB35FD427CDB}"/>
+              </a:ext>
+            </a:extLst>
+          </p:cNvPr>
+          <p:cNvCxnSpPr>
+            <a:cxnSpLocks/>
+            <a:stCxn id="153" idx="0"/>
+            <a:endCxn id="157" idx="2"/>
+          </p:cNvCxnSpPr>
+          <p:nvPr/>
+        </p:nvCxnSpPr>
+        <p:spPr>
+          <a:xfrm flipH="1" flipV="1">
+            <a:off x="10498208" y="9515901"/>
+            <a:ext cx="27626" cy="223637"/>
+          </a:xfrm>
+          <a:prstGeom prst="straightConnector1">
+            <a:avLst/>
+          </a:prstGeom>
+          <a:ln>
+            <a:tailEnd type="triangle"/>
+          </a:ln>
+        </p:spPr>
+        <p:style>
+          <a:lnRef idx="1">
+            <a:schemeClr val="accent1"/>
+          </a:lnRef>
+          <a:fillRef idx="0">
+            <a:schemeClr val="accent1"/>
+          </a:fillRef>
+          <a:effectRef idx="0">
+            <a:schemeClr val="accent1"/>
+          </a:effectRef>
+          <a:fontRef idx="minor">
+            <a:schemeClr val="tx1"/>
+          </a:fontRef>
+        </p:style>
+      </p:cxnSp>
+      <p:sp>
+        <p:nvSpPr>
+          <p:cNvPr id="168" name="Rectangle 167">
+            <a:extLst>
+              <a:ext uri="{FF2B5EF4-FFF2-40B4-BE49-F238E27FC236}">
+                <a16:creationId xmlns:a16="http://schemas.microsoft.com/office/drawing/2014/main" id="{20FE7859-FEFD-E81C-2B49-D083A0166ED5}"/>
+              </a:ext>
+            </a:extLst>
+          </p:cNvPr>
+          <p:cNvSpPr/>
+          <p:nvPr/>
+        </p:nvSpPr>
+        <p:spPr>
+          <a:xfrm>
+            <a:off x="3985057" y="9061190"/>
+            <a:ext cx="2046993" cy="369333"/>
+          </a:xfrm>
+          <a:prstGeom prst="rect">
+            <a:avLst/>
+          </a:prstGeom>
+          <a:noFill/>
+        </p:spPr>
+        <p:style>
+          <a:lnRef idx="2">
+            <a:schemeClr val="accent1">
+              <a:shade val="50000"/>
+            </a:schemeClr>
+          </a:lnRef>
+          <a:fillRef idx="1">
+            <a:schemeClr val="accent1"/>
+          </a:fillRef>
+          <a:effectRef idx="0">
+            <a:schemeClr val="accent1"/>
+          </a:effectRef>
+          <a:fontRef idx="minor">
+            <a:schemeClr val="lt1"/>
+          </a:fontRef>
+        </p:style>
+        <p:txBody>
+          <a:bodyPr rtlCol="0" anchor="ctr"/>
+          <a:lstStyle/>
+          <a:p>
+            <a:pPr algn="ctr"/>
+            <a:r>
+              <a:rPr lang="en-US" dirty="0">
+                <a:solidFill>
+                  <a:schemeClr val="tx1"/>
+                </a:solidFill>
+              </a:rPr>
+              <a:t>MeasurementDTO</a:t>
+            </a:r>
+          </a:p>
+        </p:txBody>
+      </p:sp>
+      <p:sp>
+        <p:nvSpPr>
+          <p:cNvPr id="169" name="Rectangle 168">
+            <a:extLst>
+              <a:ext uri="{FF2B5EF4-FFF2-40B4-BE49-F238E27FC236}">
+                <a16:creationId xmlns:a16="http://schemas.microsoft.com/office/drawing/2014/main" id="{170700FB-93C9-BB7A-60A4-C0A97058F457}"/>
+              </a:ext>
+            </a:extLst>
+          </p:cNvPr>
+          <p:cNvSpPr/>
+          <p:nvPr/>
+        </p:nvSpPr>
+        <p:spPr>
+          <a:xfrm>
+            <a:off x="6588486" y="8503812"/>
+            <a:ext cx="2250424" cy="437128"/>
+          </a:xfrm>
+          <a:prstGeom prst="rect">
+            <a:avLst/>
+          </a:prstGeom>
+          <a:noFill/>
+        </p:spPr>
+        <p:style>
+          <a:lnRef idx="2">
+            <a:schemeClr val="accent1">
+              <a:shade val="50000"/>
+            </a:schemeClr>
+          </a:lnRef>
+          <a:fillRef idx="1">
+            <a:schemeClr val="accent1"/>
+          </a:fillRef>
+          <a:effectRef idx="0">
+            <a:schemeClr val="accent1"/>
+          </a:effectRef>
+          <a:fontRef idx="minor">
+            <a:schemeClr val="lt1"/>
+          </a:fontRef>
+        </p:style>
+        <p:txBody>
+          <a:bodyPr rtlCol="0" anchor="ctr"/>
+          <a:lstStyle/>
+          <a:p>
+            <a:pPr algn="ctr"/>
+            <a:r>
+              <a:rPr lang="en-US" dirty="0">
+                <a:solidFill>
+                  <a:schemeClr val="tx1"/>
+                </a:solidFill>
+              </a:rPr>
+              <a:t>WebsocketController</a:t>
+            </a:r>
+          </a:p>
+        </p:txBody>
+      </p:sp>
+      <p:sp>
+        <p:nvSpPr>
+          <p:cNvPr id="170" name="Rectangle 169">
+            <a:extLst>
+              <a:ext uri="{FF2B5EF4-FFF2-40B4-BE49-F238E27FC236}">
+                <a16:creationId xmlns:a16="http://schemas.microsoft.com/office/drawing/2014/main" id="{2BC26A3F-631B-2BA9-4E27-E13A022E2C94}"/>
+              </a:ext>
+            </a:extLst>
+          </p:cNvPr>
+          <p:cNvSpPr/>
+          <p:nvPr/>
+        </p:nvSpPr>
+        <p:spPr>
+          <a:xfrm>
+            <a:off x="6451843" y="10495220"/>
+            <a:ext cx="2471533" cy="664847"/>
+          </a:xfrm>
+          <a:prstGeom prst="rect">
+            <a:avLst/>
+          </a:prstGeom>
+          <a:noFill/>
+        </p:spPr>
+        <p:style>
+          <a:lnRef idx="2">
+            <a:schemeClr val="accent1">
+              <a:shade val="50000"/>
+            </a:schemeClr>
+          </a:lnRef>
+          <a:fillRef idx="1">
+            <a:schemeClr val="accent1"/>
+          </a:fillRef>
+          <a:effectRef idx="0">
+            <a:schemeClr val="accent1"/>
+          </a:effectRef>
+          <a:fontRef idx="minor">
+            <a:schemeClr val="lt1"/>
+          </a:fontRef>
+        </p:style>
+        <p:txBody>
+          <a:bodyPr rtlCol="0" anchor="ctr"/>
+          <a:lstStyle/>
+          <a:p>
+            <a:pPr algn="ctr"/>
+            <a:r>
+              <a:rPr lang="en-US" dirty="0">
+                <a:solidFill>
+                  <a:schemeClr val="tx1"/>
+                </a:solidFill>
+              </a:rPr>
+              <a:t>HourlyConsumption</a:t>
+            </a:r>
+          </a:p>
+          <a:p>
+            <a:pPr algn="ctr"/>
+            <a:r>
+              <a:rPr lang="en-US" dirty="0">
+                <a:solidFill>
+                  <a:schemeClr val="tx1"/>
+                </a:solidFill>
+              </a:rPr>
+              <a:t>Service</a:t>
+            </a:r>
+          </a:p>
+          <a:p>
+            <a:pPr algn="ctr"/>
+            <a:endParaRPr lang="en-US" dirty="0">
+              <a:solidFill>
+                <a:schemeClr val="tx1"/>
+              </a:solidFill>
+            </a:endParaRPr>
+          </a:p>
+        </p:txBody>
+      </p:sp>
+      <p:sp>
+        <p:nvSpPr>
+          <p:cNvPr id="171" name="Rectangle 170">
+            <a:extLst>
+              <a:ext uri="{FF2B5EF4-FFF2-40B4-BE49-F238E27FC236}">
+                <a16:creationId xmlns:a16="http://schemas.microsoft.com/office/drawing/2014/main" id="{02221A8B-A9F9-C396-FC8C-D8C21525F164}"/>
+              </a:ext>
+            </a:extLst>
+          </p:cNvPr>
+          <p:cNvSpPr/>
+          <p:nvPr/>
+        </p:nvSpPr>
+        <p:spPr>
+          <a:xfrm>
+            <a:off x="9371437" y="8301545"/>
+            <a:ext cx="2325856" cy="369333"/>
+          </a:xfrm>
+          <a:prstGeom prst="rect">
+            <a:avLst/>
+          </a:prstGeom>
+          <a:noFill/>
+        </p:spPr>
+        <p:style>
+          <a:lnRef idx="2">
+            <a:schemeClr val="accent1">
+              <a:shade val="50000"/>
+            </a:schemeClr>
+          </a:lnRef>
+          <a:fillRef idx="1">
+            <a:schemeClr val="accent1"/>
+          </a:fillRef>
+          <a:effectRef idx="0">
+            <a:schemeClr val="accent1"/>
+          </a:effectRef>
+          <a:fontRef idx="minor">
+            <a:schemeClr val="lt1"/>
+          </a:fontRef>
+        </p:style>
+        <p:txBody>
+          <a:bodyPr rtlCol="0" anchor="ctr"/>
+          <a:lstStyle/>
+          <a:p>
+            <a:pPr algn="ctr"/>
+            <a:r>
+              <a:rPr lang="en-US" dirty="0">
+                <a:solidFill>
+                  <a:schemeClr val="tx1"/>
+                </a:solidFill>
+              </a:rPr>
+              <a:t>HourlyConsumption</a:t>
+            </a:r>
+          </a:p>
+        </p:txBody>
+      </p:sp>
+      <p:cxnSp>
+        <p:nvCxnSpPr>
+          <p:cNvPr id="172" name="Straight Arrow Connector 171">
+            <a:extLst>
+              <a:ext uri="{FF2B5EF4-FFF2-40B4-BE49-F238E27FC236}">
+                <a16:creationId xmlns:a16="http://schemas.microsoft.com/office/drawing/2014/main" id="{651DC489-C1C0-2D67-57E5-6A058047000B}"/>
+              </a:ext>
+            </a:extLst>
+          </p:cNvPr>
+          <p:cNvCxnSpPr>
+            <a:cxnSpLocks/>
+          </p:cNvCxnSpPr>
+          <p:nvPr/>
+        </p:nvCxnSpPr>
+        <p:spPr>
+          <a:xfrm>
+            <a:off x="2960656" y="3634988"/>
+            <a:ext cx="1073592" cy="973840"/>
+          </a:xfrm>
+          <a:prstGeom prst="straightConnector1">
+            <a:avLst/>
+          </a:prstGeom>
+          <a:ln>
+            <a:tailEnd type="triangle"/>
+          </a:ln>
+        </p:spPr>
+        <p:style>
+          <a:lnRef idx="1">
+            <a:schemeClr val="accent1"/>
+          </a:lnRef>
+          <a:fillRef idx="0">
+            <a:schemeClr val="accent1"/>
+          </a:fillRef>
+          <a:effectRef idx="0">
+            <a:schemeClr val="accent1"/>
+          </a:effectRef>
+          <a:fontRef idx="minor">
+            <a:schemeClr val="tx1"/>
+          </a:fontRef>
+        </p:style>
+      </p:cxnSp>
+      <p:cxnSp>
+        <p:nvCxnSpPr>
+          <p:cNvPr id="175" name="Straight Arrow Connector 174">
+            <a:extLst>
+              <a:ext uri="{FF2B5EF4-FFF2-40B4-BE49-F238E27FC236}">
+                <a16:creationId xmlns:a16="http://schemas.microsoft.com/office/drawing/2014/main" id="{54A104DC-E173-7DEC-30FF-DE79BCFD669F}"/>
+              </a:ext>
+            </a:extLst>
+          </p:cNvPr>
+          <p:cNvCxnSpPr>
+            <a:cxnSpLocks/>
+          </p:cNvCxnSpPr>
+          <p:nvPr/>
+        </p:nvCxnSpPr>
+        <p:spPr>
+          <a:xfrm>
+            <a:off x="2787130" y="4298622"/>
+            <a:ext cx="1445680" cy="4249587"/>
+          </a:xfrm>
+          <a:prstGeom prst="straightConnector1">
+            <a:avLst/>
+          </a:prstGeom>
+          <a:ln>
+            <a:tailEnd type="triangle"/>
+          </a:ln>
+        </p:spPr>
+        <p:style>
+          <a:lnRef idx="1">
+            <a:schemeClr val="accent1"/>
+          </a:lnRef>
+          <a:fillRef idx="0">
+            <a:schemeClr val="accent1"/>
+          </a:fillRef>
+          <a:effectRef idx="0">
+            <a:schemeClr val="accent1"/>
+          </a:effectRef>
+          <a:fontRef idx="minor">
+            <a:schemeClr val="tx1"/>
+          </a:fontRef>
+        </p:style>
+      </p:cxnSp>
+      <p:sp>
+        <p:nvSpPr>
+          <p:cNvPr id="178" name="Flowchart: Magnetic Disk 177">
+            <a:extLst>
+              <a:ext uri="{FF2B5EF4-FFF2-40B4-BE49-F238E27FC236}">
+                <a16:creationId xmlns:a16="http://schemas.microsoft.com/office/drawing/2014/main" id="{6F43DC0E-F864-8B2C-8F06-E68B08873738}"/>
+              </a:ext>
+            </a:extLst>
+          </p:cNvPr>
+          <p:cNvSpPr/>
+          <p:nvPr/>
+        </p:nvSpPr>
+        <p:spPr>
+          <a:xfrm>
+            <a:off x="13338169" y="7703729"/>
+            <a:ext cx="1501947" cy="2126058"/>
+          </a:xfrm>
+          <a:prstGeom prst="flowChartMagneticDisk">
+            <a:avLst/>
+          </a:prstGeom>
+          <a:noFill/>
+        </p:spPr>
+        <p:style>
+          <a:lnRef idx="2">
+            <a:schemeClr val="accent1">
+              <a:shade val="50000"/>
+            </a:schemeClr>
+          </a:lnRef>
+          <a:fillRef idx="1">
+            <a:schemeClr val="accent1"/>
+          </a:fillRef>
+          <a:effectRef idx="0">
+            <a:schemeClr val="accent1"/>
+          </a:effectRef>
+          <a:fontRef idx="minor">
+            <a:schemeClr val="lt1"/>
+          </a:fontRef>
+        </p:style>
+        <p:txBody>
+          <a:bodyPr rtlCol="0" anchor="ctr"/>
+          <a:lstStyle/>
+          <a:p>
+            <a:pPr algn="ctr"/>
+            <a:r>
+              <a:rPr lang="en-US" dirty="0">
+                <a:solidFill>
+                  <a:schemeClr val="tx1"/>
+                </a:solidFill>
+              </a:rPr>
+              <a:t>Monitoring Database</a:t>
+            </a:r>
+          </a:p>
+        </p:txBody>
+      </p:sp>
+      <p:cxnSp>
+        <p:nvCxnSpPr>
+          <p:cNvPr id="179" name="Straight Arrow Connector 178">
+            <a:extLst>
+              <a:ext uri="{FF2B5EF4-FFF2-40B4-BE49-F238E27FC236}">
+                <a16:creationId xmlns:a16="http://schemas.microsoft.com/office/drawing/2014/main" id="{BBA947BA-F5AE-01E4-E274-45B5D2FD02A9}"/>
+              </a:ext>
+            </a:extLst>
+          </p:cNvPr>
+          <p:cNvCxnSpPr>
+            <a:cxnSpLocks/>
+          </p:cNvCxnSpPr>
+          <p:nvPr/>
+        </p:nvCxnSpPr>
+        <p:spPr>
+          <a:xfrm>
+            <a:off x="11828206" y="9048264"/>
+            <a:ext cx="1598103" cy="0"/>
+          </a:xfrm>
+          <a:prstGeom prst="straightConnector1">
+            <a:avLst/>
+          </a:prstGeom>
+          <a:ln>
+            <a:tailEnd type="triangle"/>
+          </a:ln>
+        </p:spPr>
+        <p:style>
+          <a:lnRef idx="1">
+            <a:schemeClr val="accent1"/>
+          </a:lnRef>
+          <a:fillRef idx="0">
+            <a:schemeClr val="accent1"/>
+          </a:fillRef>
+          <a:effectRef idx="0">
+            <a:schemeClr val="accent1"/>
+          </a:effectRef>
+          <a:fontRef idx="minor">
+            <a:schemeClr val="tx1"/>
+          </a:fontRef>
+        </p:style>
+      </p:cxnSp>
+      <p:sp>
+        <p:nvSpPr>
+          <p:cNvPr id="182" name="Rectangle 181">
+            <a:extLst>
+              <a:ext uri="{FF2B5EF4-FFF2-40B4-BE49-F238E27FC236}">
+                <a16:creationId xmlns:a16="http://schemas.microsoft.com/office/drawing/2014/main" id="{EF96143F-AD9F-171F-EF2F-1E73BA7878C1}"/>
+              </a:ext>
+            </a:extLst>
+          </p:cNvPr>
+          <p:cNvSpPr/>
+          <p:nvPr/>
+        </p:nvSpPr>
+        <p:spPr>
+          <a:xfrm>
+            <a:off x="9371437" y="8841641"/>
+            <a:ext cx="2325856" cy="369333"/>
+          </a:xfrm>
+          <a:prstGeom prst="rect">
+            <a:avLst/>
+          </a:prstGeom>
+          <a:noFill/>
+        </p:spPr>
+        <p:style>
+          <a:lnRef idx="2">
+            <a:schemeClr val="accent1">
+              <a:shade val="50000"/>
+            </a:schemeClr>
+          </a:lnRef>
+          <a:fillRef idx="1">
+            <a:schemeClr val="accent1"/>
+          </a:fillRef>
+          <a:effectRef idx="0">
+            <a:schemeClr val="accent1"/>
+          </a:effectRef>
+          <a:fontRef idx="minor">
+            <a:schemeClr val="lt1"/>
+          </a:fontRef>
+        </p:style>
+        <p:txBody>
+          <a:bodyPr rtlCol="0" anchor="ctr"/>
+          <a:lstStyle/>
+          <a:p>
+            <a:pPr algn="ctr"/>
+            <a:r>
+              <a:rPr lang="en-US" dirty="0">
+                <a:solidFill>
+                  <a:schemeClr val="tx1"/>
+                </a:solidFill>
+              </a:rPr>
+              <a:t>Measurement</a:t>
+            </a:r>
+          </a:p>
+        </p:txBody>
+      </p:sp>
+      <p:sp>
+        <p:nvSpPr>
+          <p:cNvPr id="183" name="Rectangle 182">
+            <a:extLst>
+              <a:ext uri="{FF2B5EF4-FFF2-40B4-BE49-F238E27FC236}">
+                <a16:creationId xmlns:a16="http://schemas.microsoft.com/office/drawing/2014/main" id="{1AD1AD9D-AEC9-8D62-9138-658879845FB3}"/>
+              </a:ext>
+            </a:extLst>
+          </p:cNvPr>
+          <p:cNvSpPr/>
+          <p:nvPr/>
+        </p:nvSpPr>
+        <p:spPr>
+          <a:xfrm>
+            <a:off x="9566668" y="10597942"/>
+            <a:ext cx="2241349" cy="551007"/>
+          </a:xfrm>
+          <a:prstGeom prst="rect">
+            <a:avLst/>
+          </a:prstGeom>
+          <a:noFill/>
+        </p:spPr>
+        <p:style>
+          <a:lnRef idx="2">
+            <a:schemeClr val="accent1">
+              <a:shade val="50000"/>
+            </a:schemeClr>
+          </a:lnRef>
+          <a:fillRef idx="1">
+            <a:schemeClr val="accent1"/>
+          </a:fillRef>
+          <a:effectRef idx="0">
+            <a:schemeClr val="accent1"/>
+          </a:effectRef>
+          <a:fontRef idx="minor">
+            <a:schemeClr val="lt1"/>
+          </a:fontRef>
+        </p:style>
+        <p:txBody>
+          <a:bodyPr rtlCol="0" anchor="ctr"/>
+          <a:lstStyle/>
+          <a:p>
+            <a:pPr algn="ctr"/>
+            <a:r>
+              <a:rPr lang="en-US" dirty="0">
+                <a:solidFill>
+                  <a:schemeClr val="tx1"/>
+                </a:solidFill>
+              </a:rPr>
+              <a:t>HourlyConsumption</a:t>
+            </a:r>
+          </a:p>
+          <a:p>
+            <a:pPr algn="ctr"/>
+            <a:r>
+              <a:rPr lang="en-US" dirty="0">
+                <a:solidFill>
+                  <a:schemeClr val="tx1"/>
+                </a:solidFill>
+              </a:rPr>
+              <a:t>Repository</a:t>
+            </a:r>
+          </a:p>
+        </p:txBody>
+      </p:sp>
+      <p:sp>
+        <p:nvSpPr>
+          <p:cNvPr id="109" name="Rectangle 108">
+            <a:extLst>
+              <a:ext uri="{FF2B5EF4-FFF2-40B4-BE49-F238E27FC236}">
+                <a16:creationId xmlns:a16="http://schemas.microsoft.com/office/drawing/2014/main" id="{44E8F116-0AFB-8099-2952-FF3477B6C25C}"/>
+              </a:ext>
+            </a:extLst>
+          </p:cNvPr>
+          <p:cNvSpPr/>
+          <p:nvPr/>
+        </p:nvSpPr>
+        <p:spPr>
+          <a:xfrm>
+            <a:off x="3731699" y="11406040"/>
+            <a:ext cx="8016443" cy="3176719"/>
+          </a:xfrm>
+          <a:prstGeom prst="rect">
+            <a:avLst/>
+          </a:prstGeom>
+          <a:noFill/>
+        </p:spPr>
+        <p:style>
+          <a:lnRef idx="2">
+            <a:schemeClr val="accent1">
+              <a:shade val="50000"/>
+            </a:schemeClr>
+          </a:lnRef>
+          <a:fillRef idx="1">
+            <a:schemeClr val="accent1"/>
+          </a:fillRef>
+          <a:effectRef idx="0">
+            <a:schemeClr val="accent1"/>
+          </a:effectRef>
+          <a:fontRef idx="minor">
+            <a:schemeClr val="lt1"/>
+          </a:fontRef>
+        </p:style>
+        <p:txBody>
+          <a:bodyPr rtlCol="0" anchor="ctr"/>
+          <a:lstStyle/>
+          <a:p>
+            <a:pPr algn="ctr"/>
+            <a:endParaRPr lang="en-US" dirty="0"/>
+          </a:p>
+        </p:txBody>
+      </p:sp>
+      <p:grpSp>
+        <p:nvGrpSpPr>
+          <p:cNvPr id="111" name="Group 110">
+            <a:extLst>
+              <a:ext uri="{FF2B5EF4-FFF2-40B4-BE49-F238E27FC236}">
+                <a16:creationId xmlns:a16="http://schemas.microsoft.com/office/drawing/2014/main" id="{00D43132-3B5E-65FD-AE30-AD2E02A8B45D}"/>
+              </a:ext>
+            </a:extLst>
+          </p:cNvPr>
+          <p:cNvGrpSpPr/>
+          <p:nvPr/>
+        </p:nvGrpSpPr>
+        <p:grpSpPr>
+          <a:xfrm>
+            <a:off x="6495066" y="11788226"/>
+            <a:ext cx="2136343" cy="1375726"/>
+            <a:chOff x="5483657" y="1005524"/>
+            <a:chExt cx="2136343" cy="1375726"/>
+          </a:xfrm>
+        </p:grpSpPr>
+        <p:sp>
+          <p:nvSpPr>
+            <p:cNvPr id="112" name="Rectangle 111">
+              <a:extLst>
+                <a:ext uri="{FF2B5EF4-FFF2-40B4-BE49-F238E27FC236}">
+                  <a16:creationId xmlns:a16="http://schemas.microsoft.com/office/drawing/2014/main" id="{9A4872A1-FD89-0696-D29C-B08C33E4F95E}"/>
+                </a:ext>
+              </a:extLst>
+            </p:cNvPr>
+            <p:cNvSpPr/>
+            <p:nvPr/>
+          </p:nvSpPr>
+          <p:spPr>
+            <a:xfrm>
+              <a:off x="5483657" y="1017648"/>
+              <a:ext cx="2136343" cy="1363602"/>
+            </a:xfrm>
+            <a:prstGeom prst="rect">
+              <a:avLst/>
+            </a:prstGeom>
+            <a:noFill/>
+          </p:spPr>
+          <p:style>
+            <a:lnRef idx="2">
+              <a:schemeClr val="accent1">
+                <a:shade val="50000"/>
+              </a:schemeClr>
+            </a:lnRef>
+            <a:fillRef idx="1">
+              <a:schemeClr val="accent1"/>
+            </a:fillRef>
+            <a:effectRef idx="0">
+              <a:schemeClr val="accent1"/>
+            </a:effectRef>
+            <a:fontRef idx="minor">
+              <a:schemeClr val="lt1"/>
+            </a:fontRef>
+          </p:style>
+          <p:txBody>
+            <a:bodyPr rtlCol="0" anchor="ctr"/>
+            <a:lstStyle/>
+            <a:p>
+              <a:pPr algn="ctr"/>
+              <a:endParaRPr lang="en-US" dirty="0">
+                <a:solidFill>
+                  <a:schemeClr val="tx1"/>
+                </a:solidFill>
+              </a:endParaRPr>
+            </a:p>
+          </p:txBody>
+        </p:sp>
+        <p:sp>
+          <p:nvSpPr>
+            <p:cNvPr id="113" name="TextBox 112">
+              <a:extLst>
+                <a:ext uri="{FF2B5EF4-FFF2-40B4-BE49-F238E27FC236}">
+                  <a16:creationId xmlns:a16="http://schemas.microsoft.com/office/drawing/2014/main" id="{1BAC1596-90D2-7232-7684-61E4CD3E2C14}"/>
+                </a:ext>
+              </a:extLst>
+            </p:cNvPr>
+            <p:cNvSpPr txBox="1"/>
+            <p:nvPr/>
+          </p:nvSpPr>
+          <p:spPr>
+            <a:xfrm>
+              <a:off x="5795383" y="1005524"/>
+              <a:ext cx="1609725" cy="369332"/>
+            </a:xfrm>
+            <a:prstGeom prst="rect">
+              <a:avLst/>
+            </a:prstGeom>
+            <a:noFill/>
+          </p:spPr>
+          <p:txBody>
+            <a:bodyPr wrap="square" rtlCol="0">
+              <a:spAutoFit/>
+            </a:bodyPr>
+            <a:lstStyle/>
+            <a:p>
+              <a:pPr algn="ctr"/>
+              <a:r>
+                <a:rPr lang="en-US" b="1" dirty="0"/>
+                <a:t>Controllers</a:t>
+              </a:r>
+            </a:p>
+          </p:txBody>
+        </p:sp>
+      </p:grpSp>
+      <p:grpSp>
+        <p:nvGrpSpPr>
+          <p:cNvPr id="127" name="Group 126">
+            <a:extLst>
+              <a:ext uri="{FF2B5EF4-FFF2-40B4-BE49-F238E27FC236}">
+                <a16:creationId xmlns:a16="http://schemas.microsoft.com/office/drawing/2014/main" id="{47F3830F-9C98-78F5-8B7C-E2073D6271D0}"/>
+              </a:ext>
+            </a:extLst>
+          </p:cNvPr>
+          <p:cNvGrpSpPr/>
+          <p:nvPr/>
+        </p:nvGrpSpPr>
+        <p:grpSpPr>
+          <a:xfrm>
+            <a:off x="3848889" y="11573553"/>
+            <a:ext cx="2136343" cy="2149303"/>
+            <a:chOff x="8376446" y="2710696"/>
+            <a:chExt cx="2136343" cy="2149303"/>
+          </a:xfrm>
+        </p:grpSpPr>
+        <p:sp>
+          <p:nvSpPr>
+            <p:cNvPr id="128" name="TextBox 127">
+              <a:extLst>
+                <a:ext uri="{FF2B5EF4-FFF2-40B4-BE49-F238E27FC236}">
+                  <a16:creationId xmlns:a16="http://schemas.microsoft.com/office/drawing/2014/main" id="{97F5F286-15BA-332E-0E38-F2EACC5BEB0B}"/>
+                </a:ext>
+              </a:extLst>
+            </p:cNvPr>
+            <p:cNvSpPr txBox="1"/>
+            <p:nvPr/>
+          </p:nvSpPr>
+          <p:spPr>
+            <a:xfrm>
+              <a:off x="8524479" y="2710696"/>
+              <a:ext cx="1609725" cy="646331"/>
+            </a:xfrm>
+            <a:prstGeom prst="rect">
+              <a:avLst/>
+            </a:prstGeom>
+            <a:noFill/>
+          </p:spPr>
+          <p:txBody>
+            <a:bodyPr wrap="square" rtlCol="0">
+              <a:spAutoFit/>
+            </a:bodyPr>
+            <a:lstStyle/>
+            <a:p>
+              <a:pPr algn="ctr"/>
+              <a:r>
+                <a:rPr lang="en-US" b="1" dirty="0"/>
+                <a:t>Data Transfer Objects</a:t>
+              </a:r>
+            </a:p>
+          </p:txBody>
+        </p:sp>
+        <p:sp>
+          <p:nvSpPr>
+            <p:cNvPr id="129" name="Rectangle 128">
+              <a:extLst>
+                <a:ext uri="{FF2B5EF4-FFF2-40B4-BE49-F238E27FC236}">
+                  <a16:creationId xmlns:a16="http://schemas.microsoft.com/office/drawing/2014/main" id="{FBF145D5-4CC5-B671-7992-EE5DCB5A4F16}"/>
+                </a:ext>
+              </a:extLst>
+            </p:cNvPr>
+            <p:cNvSpPr/>
+            <p:nvPr/>
+          </p:nvSpPr>
+          <p:spPr>
+            <a:xfrm>
+              <a:off x="8376446" y="3496397"/>
+              <a:ext cx="2136343" cy="1363602"/>
+            </a:xfrm>
+            <a:prstGeom prst="rect">
+              <a:avLst/>
+            </a:prstGeom>
+            <a:noFill/>
+          </p:spPr>
+          <p:style>
+            <a:lnRef idx="2">
+              <a:schemeClr val="accent1">
+                <a:shade val="50000"/>
+              </a:schemeClr>
+            </a:lnRef>
+            <a:fillRef idx="1">
+              <a:schemeClr val="accent1"/>
+            </a:fillRef>
+            <a:effectRef idx="0">
+              <a:schemeClr val="accent1"/>
+            </a:effectRef>
+            <a:fontRef idx="minor">
+              <a:schemeClr val="lt1"/>
+            </a:fontRef>
+          </p:style>
+          <p:txBody>
+            <a:bodyPr rtlCol="0" anchor="ctr"/>
+            <a:lstStyle/>
+            <a:p>
+              <a:pPr algn="ctr"/>
+              <a:endParaRPr lang="en-US" dirty="0">
+                <a:solidFill>
+                  <a:schemeClr val="tx1"/>
+                </a:solidFill>
+              </a:endParaRPr>
+            </a:p>
+          </p:txBody>
+        </p:sp>
+      </p:grpSp>
+      <p:cxnSp>
+        <p:nvCxnSpPr>
+          <p:cNvPr id="131" name="Straight Arrow Connector 130">
+            <a:extLst>
+              <a:ext uri="{FF2B5EF4-FFF2-40B4-BE49-F238E27FC236}">
+                <a16:creationId xmlns:a16="http://schemas.microsoft.com/office/drawing/2014/main" id="{A86F5E5D-BD44-E38B-FB50-B807499DCC13}"/>
+              </a:ext>
+            </a:extLst>
+          </p:cNvPr>
+          <p:cNvCxnSpPr>
+            <a:cxnSpLocks/>
+            <a:stCxn id="112" idx="1"/>
+          </p:cNvCxnSpPr>
+          <p:nvPr/>
+        </p:nvCxnSpPr>
+        <p:spPr>
+          <a:xfrm flipH="1">
+            <a:off x="5937707" y="12482151"/>
+            <a:ext cx="557359" cy="169254"/>
+          </a:xfrm>
+          <a:prstGeom prst="straightConnector1">
+            <a:avLst/>
+          </a:prstGeom>
+          <a:ln>
+            <a:tailEnd type="triangle"/>
+          </a:ln>
+        </p:spPr>
+        <p:style>
+          <a:lnRef idx="1">
+            <a:schemeClr val="accent1"/>
+          </a:lnRef>
+          <a:fillRef idx="0">
+            <a:schemeClr val="accent1"/>
+          </a:fillRef>
+          <a:effectRef idx="0">
+            <a:schemeClr val="accent1"/>
+          </a:effectRef>
+          <a:fontRef idx="minor">
+            <a:schemeClr val="tx1"/>
+          </a:fontRef>
+        </p:style>
+      </p:cxnSp>
+      <p:sp>
+        <p:nvSpPr>
+          <p:cNvPr id="134" name="Rectangle 133">
+            <a:extLst>
+              <a:ext uri="{FF2B5EF4-FFF2-40B4-BE49-F238E27FC236}">
+                <a16:creationId xmlns:a16="http://schemas.microsoft.com/office/drawing/2014/main" id="{4591F2FB-A6A3-794F-AA8E-3A7D1C5A0C72}"/>
+              </a:ext>
+            </a:extLst>
+          </p:cNvPr>
+          <p:cNvSpPr/>
+          <p:nvPr/>
+        </p:nvSpPr>
+        <p:spPr>
+          <a:xfrm>
+            <a:off x="3612064" y="12803765"/>
+            <a:ext cx="2526879" cy="369333"/>
+          </a:xfrm>
+          <a:prstGeom prst="rect">
+            <a:avLst/>
+          </a:prstGeom>
+          <a:noFill/>
+        </p:spPr>
+        <p:style>
+          <a:lnRef idx="2">
+            <a:schemeClr val="accent1">
+              <a:shade val="50000"/>
+            </a:schemeClr>
+          </a:lnRef>
+          <a:fillRef idx="1">
+            <a:schemeClr val="accent1"/>
+          </a:fillRef>
+          <a:effectRef idx="0">
+            <a:schemeClr val="accent1"/>
+          </a:effectRef>
+          <a:fontRef idx="minor">
+            <a:schemeClr val="lt1"/>
+          </a:fontRef>
+        </p:style>
+        <p:txBody>
+          <a:bodyPr rtlCol="0" anchor="ctr"/>
+          <a:lstStyle/>
+          <a:p>
+            <a:pPr algn="ctr"/>
+            <a:r>
+              <a:rPr lang="en-US" dirty="0">
+                <a:solidFill>
+                  <a:schemeClr val="tx1"/>
+                </a:solidFill>
+              </a:rPr>
+              <a:t>MessageDTO</a:t>
+            </a:r>
+          </a:p>
+        </p:txBody>
+      </p:sp>
+      <p:sp>
+        <p:nvSpPr>
+          <p:cNvPr id="136" name="Rectangle 135">
+            <a:extLst>
+              <a:ext uri="{FF2B5EF4-FFF2-40B4-BE49-F238E27FC236}">
+                <a16:creationId xmlns:a16="http://schemas.microsoft.com/office/drawing/2014/main" id="{CE5C8736-29D4-69B3-9623-2F2843D6C32B}"/>
+              </a:ext>
+            </a:extLst>
+          </p:cNvPr>
+          <p:cNvSpPr/>
+          <p:nvPr/>
+        </p:nvSpPr>
+        <p:spPr>
+          <a:xfrm>
+            <a:off x="6483161" y="12321117"/>
+            <a:ext cx="2250424" cy="437128"/>
+          </a:xfrm>
+          <a:prstGeom prst="rect">
+            <a:avLst/>
+          </a:prstGeom>
+          <a:noFill/>
+        </p:spPr>
+        <p:style>
+          <a:lnRef idx="2">
+            <a:schemeClr val="accent1">
+              <a:shade val="50000"/>
+            </a:schemeClr>
+          </a:lnRef>
+          <a:fillRef idx="1">
+            <a:schemeClr val="accent1"/>
+          </a:fillRef>
+          <a:effectRef idx="0">
+            <a:schemeClr val="accent1"/>
+          </a:effectRef>
+          <a:fontRef idx="minor">
+            <a:schemeClr val="lt1"/>
+          </a:fontRef>
+        </p:style>
+        <p:txBody>
+          <a:bodyPr rtlCol="0" anchor="ctr"/>
+          <a:lstStyle/>
+          <a:p>
+            <a:pPr algn="ctr"/>
+            <a:r>
+              <a:rPr lang="en-US" dirty="0">
+                <a:solidFill>
+                  <a:schemeClr val="tx1"/>
+                </a:solidFill>
+              </a:rPr>
+              <a:t>WebsocketController</a:t>
+            </a:r>
+          </a:p>
+        </p:txBody>
+      </p:sp>
+      <p:cxnSp>
+        <p:nvCxnSpPr>
+          <p:cNvPr id="173" name="Straight Arrow Connector 172">
+            <a:extLst>
+              <a:ext uri="{FF2B5EF4-FFF2-40B4-BE49-F238E27FC236}">
+                <a16:creationId xmlns:a16="http://schemas.microsoft.com/office/drawing/2014/main" id="{63B518B7-B7E8-4066-1B3A-FB6E8B7571B3}"/>
+              </a:ext>
+            </a:extLst>
+          </p:cNvPr>
+          <p:cNvCxnSpPr>
+            <a:cxnSpLocks/>
+          </p:cNvCxnSpPr>
+          <p:nvPr/>
+        </p:nvCxnSpPr>
+        <p:spPr>
+          <a:xfrm>
+            <a:off x="2064459" y="4423572"/>
+            <a:ext cx="1775359" cy="7149981"/>
+          </a:xfrm>
+          <a:prstGeom prst="straightConnector1">
+            <a:avLst/>
+          </a:prstGeom>
+          <a:ln>
+            <a:tailEnd type="triangle"/>
+          </a:ln>
+        </p:spPr>
+        <p:style>
+          <a:lnRef idx="1">
+            <a:schemeClr val="accent1"/>
+          </a:lnRef>
+          <a:fillRef idx="0">
+            <a:schemeClr val="accent1"/>
+          </a:fillRef>
+          <a:effectRef idx="0">
+            <a:schemeClr val="accent1"/>
+          </a:effectRef>
+          <a:fontRef idx="minor">
+            <a:schemeClr val="tx1"/>
+          </a:fontRef>
+        </p:style>
+      </p:cxnSp>
+      <p:sp>
+        <p:nvSpPr>
+          <p:cNvPr id="177" name="TextBox 176">
+            <a:extLst>
+              <a:ext uri="{FF2B5EF4-FFF2-40B4-BE49-F238E27FC236}">
+                <a16:creationId xmlns:a16="http://schemas.microsoft.com/office/drawing/2014/main" id="{A867104B-E042-3BB7-921B-44FBFC861AB0}"/>
+              </a:ext>
+            </a:extLst>
+          </p:cNvPr>
+          <p:cNvSpPr txBox="1"/>
+          <p:nvPr/>
+        </p:nvSpPr>
+        <p:spPr>
+          <a:xfrm>
+            <a:off x="5118127" y="11381790"/>
+            <a:ext cx="3483913" cy="369332"/>
+          </a:xfrm>
+          <a:prstGeom prst="rect">
+            <a:avLst/>
+          </a:prstGeom>
+          <a:noFill/>
+        </p:spPr>
+        <p:txBody>
+          <a:bodyPr wrap="square" rtlCol="0">
+            <a:spAutoFit/>
+          </a:bodyPr>
+          <a:lstStyle/>
+          <a:p>
+            <a:pPr algn="ctr"/>
+            <a:r>
+              <a:rPr lang="en-US" b="1" dirty="0"/>
+              <a:t>Back-end app : Chat</a:t>
+            </a:r>
+          </a:p>
+        </p:txBody>
+      </p:sp>
+      <p:sp>
+        <p:nvSpPr>
+          <p:cNvPr id="181" name="Flowchart: Magnetic Disk 180">
+            <a:extLst>
+              <a:ext uri="{FF2B5EF4-FFF2-40B4-BE49-F238E27FC236}">
+                <a16:creationId xmlns:a16="http://schemas.microsoft.com/office/drawing/2014/main" id="{00D36F55-1E3A-96B8-54FF-07061BF61BDD}"/>
+              </a:ext>
+            </a:extLst>
+          </p:cNvPr>
+          <p:cNvSpPr/>
+          <p:nvPr/>
+        </p:nvSpPr>
+        <p:spPr>
+          <a:xfrm rot="5400000">
+            <a:off x="822876" y="10382374"/>
+            <a:ext cx="1501947" cy="2126058"/>
+          </a:xfrm>
+          <a:prstGeom prst="flowChartMagneticDisk">
+            <a:avLst/>
+          </a:prstGeom>
+          <a:noFill/>
+        </p:spPr>
+        <p:style>
+          <a:lnRef idx="2">
+            <a:schemeClr val="accent1">
+              <a:shade val="50000"/>
+            </a:schemeClr>
+          </a:lnRef>
+          <a:fillRef idx="1">
+            <a:schemeClr val="accent1"/>
+          </a:fillRef>
+          <a:effectRef idx="0">
+            <a:schemeClr val="accent1"/>
+          </a:effectRef>
+          <a:fontRef idx="minor">
+            <a:schemeClr val="lt1"/>
+          </a:fontRef>
+        </p:style>
+        <p:txBody>
+          <a:bodyPr rtlCol="0" anchor="ctr"/>
+          <a:lstStyle/>
+          <a:p>
+            <a:pPr algn="ctr"/>
+            <a:endParaRPr lang="en-US" dirty="0">
+              <a:solidFill>
+                <a:schemeClr val="tx1"/>
+              </a:solidFill>
+            </a:endParaRPr>
+          </a:p>
+        </p:txBody>
+      </p:sp>
+      <p:sp>
+        <p:nvSpPr>
+          <p:cNvPr id="184" name="Rectangle 183">
+            <a:extLst>
+              <a:ext uri="{FF2B5EF4-FFF2-40B4-BE49-F238E27FC236}">
+                <a16:creationId xmlns:a16="http://schemas.microsoft.com/office/drawing/2014/main" id="{8FCACF4B-DF87-CBF6-3469-0346A4410FA2}"/>
+              </a:ext>
+            </a:extLst>
+          </p:cNvPr>
+          <p:cNvSpPr/>
+          <p:nvPr/>
+        </p:nvSpPr>
+        <p:spPr>
+          <a:xfrm>
+            <a:off x="455930" y="11108805"/>
+            <a:ext cx="1569880" cy="594470"/>
+          </a:xfrm>
+          <a:prstGeom prst="rect">
+            <a:avLst/>
+          </a:prstGeom>
+          <a:noFill/>
+        </p:spPr>
+        <p:style>
+          <a:lnRef idx="2">
+            <a:schemeClr val="accent1">
+              <a:shade val="50000"/>
+            </a:schemeClr>
+          </a:lnRef>
+          <a:fillRef idx="1">
+            <a:schemeClr val="accent1"/>
+          </a:fillRef>
+          <a:effectRef idx="0">
+            <a:schemeClr val="accent1"/>
+          </a:effectRef>
+          <a:fontRef idx="minor">
+            <a:schemeClr val="lt1"/>
+          </a:fontRef>
+        </p:style>
+        <p:txBody>
+          <a:bodyPr rtlCol="0" anchor="ctr"/>
+          <a:lstStyle/>
+          <a:p>
+            <a:pPr algn="ctr"/>
+            <a:r>
+              <a:rPr lang="en-US" dirty="0">
+                <a:solidFill>
+                  <a:schemeClr val="tx1"/>
+                </a:solidFill>
+              </a:rPr>
+              <a:t>Measurement Queue</a:t>
+            </a:r>
+          </a:p>
+        </p:txBody>
+      </p:sp>
+      <p:sp>
+        <p:nvSpPr>
+          <p:cNvPr id="188" name="Flowchart: Magnetic Disk 187">
+            <a:extLst>
+              <a:ext uri="{FF2B5EF4-FFF2-40B4-BE49-F238E27FC236}">
+                <a16:creationId xmlns:a16="http://schemas.microsoft.com/office/drawing/2014/main" id="{2ABD9061-DB69-7FBA-86C9-5E2F93372C3B}"/>
+              </a:ext>
+            </a:extLst>
+          </p:cNvPr>
+          <p:cNvSpPr/>
+          <p:nvPr/>
+        </p:nvSpPr>
+        <p:spPr>
+          <a:xfrm rot="5400000">
+            <a:off x="920578" y="7985235"/>
+            <a:ext cx="1501947" cy="2126058"/>
+          </a:xfrm>
+          <a:prstGeom prst="flowChartMagneticDisk">
+            <a:avLst/>
+          </a:prstGeom>
+          <a:noFill/>
+        </p:spPr>
+        <p:style>
+          <a:lnRef idx="2">
+            <a:schemeClr val="accent1">
+              <a:shade val="50000"/>
+            </a:schemeClr>
+          </a:lnRef>
+          <a:fillRef idx="1">
+            <a:schemeClr val="accent1"/>
+          </a:fillRef>
+          <a:effectRef idx="0">
+            <a:schemeClr val="accent1"/>
+          </a:effectRef>
+          <a:fontRef idx="minor">
+            <a:schemeClr val="lt1"/>
+          </a:fontRef>
+        </p:style>
+        <p:txBody>
+          <a:bodyPr rtlCol="0" anchor="ctr"/>
+          <a:lstStyle/>
+          <a:p>
+            <a:pPr algn="ctr"/>
+            <a:endParaRPr lang="en-US" dirty="0">
+              <a:solidFill>
+                <a:schemeClr val="tx1"/>
+              </a:solidFill>
+            </a:endParaRPr>
+          </a:p>
+        </p:txBody>
+      </p:sp>
+      <p:sp>
+        <p:nvSpPr>
+          <p:cNvPr id="189" name="Rectangle 188">
+            <a:extLst>
+              <a:ext uri="{FF2B5EF4-FFF2-40B4-BE49-F238E27FC236}">
+                <a16:creationId xmlns:a16="http://schemas.microsoft.com/office/drawing/2014/main" id="{482646E3-B9CE-8C5E-B1A7-31BF5844589A}"/>
+              </a:ext>
+            </a:extLst>
+          </p:cNvPr>
+          <p:cNvSpPr/>
+          <p:nvPr/>
+        </p:nvSpPr>
+        <p:spPr>
+          <a:xfrm>
+            <a:off x="658280" y="8706132"/>
+            <a:ext cx="1307909" cy="594470"/>
+          </a:xfrm>
+          <a:prstGeom prst="rect">
+            <a:avLst/>
+          </a:prstGeom>
+          <a:noFill/>
+        </p:spPr>
+        <p:style>
+          <a:lnRef idx="2">
+            <a:schemeClr val="accent1">
+              <a:shade val="50000"/>
+            </a:schemeClr>
+          </a:lnRef>
+          <a:fillRef idx="1">
+            <a:schemeClr val="accent1"/>
+          </a:fillRef>
+          <a:effectRef idx="0">
+            <a:schemeClr val="accent1"/>
+          </a:effectRef>
+          <a:fontRef idx="minor">
+            <a:schemeClr val="lt1"/>
+          </a:fontRef>
+        </p:style>
+        <p:txBody>
+          <a:bodyPr rtlCol="0" anchor="ctr"/>
+          <a:lstStyle/>
+          <a:p>
+            <a:pPr algn="ctr"/>
+            <a:r>
+              <a:rPr lang="en-US" dirty="0">
+                <a:solidFill>
+                  <a:schemeClr val="tx1"/>
+                </a:solidFill>
+              </a:rPr>
+              <a:t>Device Queue</a:t>
+            </a:r>
+          </a:p>
+        </p:txBody>
+      </p:sp>
+      <p:cxnSp>
+        <p:nvCxnSpPr>
+          <p:cNvPr id="190" name="Straight Arrow Connector 189">
+            <a:extLst>
+              <a:ext uri="{FF2B5EF4-FFF2-40B4-BE49-F238E27FC236}">
+                <a16:creationId xmlns:a16="http://schemas.microsoft.com/office/drawing/2014/main" id="{6DD067E3-7CEE-88CB-7CC0-7BF14EB80506}"/>
+              </a:ext>
+            </a:extLst>
+          </p:cNvPr>
+          <p:cNvCxnSpPr>
+            <a:cxnSpLocks/>
+          </p:cNvCxnSpPr>
+          <p:nvPr/>
+        </p:nvCxnSpPr>
+        <p:spPr>
+          <a:xfrm flipH="1">
+            <a:off x="2300363" y="6261355"/>
+            <a:ext cx="2071982" cy="2634755"/>
+          </a:xfrm>
+          <a:prstGeom prst="straightConnector1">
+            <a:avLst/>
+          </a:prstGeom>
+          <a:ln>
+            <a:solidFill>
+              <a:srgbClr val="FF0000"/>
+            </a:solidFill>
+            <a:tailEnd type="triangle"/>
+          </a:ln>
+        </p:spPr>
+        <p:style>
+          <a:lnRef idx="1">
+            <a:schemeClr val="accent1"/>
+          </a:lnRef>
+          <a:fillRef idx="0">
+            <a:schemeClr val="accent1"/>
+          </a:fillRef>
+          <a:effectRef idx="0">
+            <a:schemeClr val="accent1"/>
+          </a:effectRef>
+          <a:fontRef idx="minor">
+            <a:schemeClr val="tx1"/>
+          </a:fontRef>
+        </p:style>
+      </p:cxnSp>
+      <p:cxnSp>
+        <p:nvCxnSpPr>
+          <p:cNvPr id="192" name="Straight Arrow Connector 191">
+            <a:extLst>
+              <a:ext uri="{FF2B5EF4-FFF2-40B4-BE49-F238E27FC236}">
+                <a16:creationId xmlns:a16="http://schemas.microsoft.com/office/drawing/2014/main" id="{6E3D8B17-9C22-1D39-A497-7263B712137D}"/>
+              </a:ext>
+            </a:extLst>
+          </p:cNvPr>
+          <p:cNvCxnSpPr>
+            <a:cxnSpLocks/>
+          </p:cNvCxnSpPr>
+          <p:nvPr/>
+        </p:nvCxnSpPr>
+        <p:spPr>
+          <a:xfrm flipH="1" flipV="1">
+            <a:off x="2452763" y="9048510"/>
+            <a:ext cx="1580212" cy="1060360"/>
+          </a:xfrm>
+          <a:prstGeom prst="straightConnector1">
+            <a:avLst/>
+          </a:prstGeom>
+          <a:ln>
+            <a:solidFill>
+              <a:srgbClr val="FF0000"/>
+            </a:solidFill>
+            <a:tailEnd type="triangle"/>
+          </a:ln>
+        </p:spPr>
+        <p:style>
+          <a:lnRef idx="1">
+            <a:schemeClr val="accent1"/>
+          </a:lnRef>
+          <a:fillRef idx="0">
+            <a:schemeClr val="accent1"/>
+          </a:fillRef>
+          <a:effectRef idx="0">
+            <a:schemeClr val="accent1"/>
+          </a:effectRef>
+          <a:fontRef idx="minor">
+            <a:schemeClr val="tx1"/>
+          </a:fontRef>
+        </p:style>
+      </p:cxnSp>
+      <p:cxnSp>
+        <p:nvCxnSpPr>
+          <p:cNvPr id="194" name="Straight Arrow Connector 193">
+            <a:extLst>
+              <a:ext uri="{FF2B5EF4-FFF2-40B4-BE49-F238E27FC236}">
+                <a16:creationId xmlns:a16="http://schemas.microsoft.com/office/drawing/2014/main" id="{134E145C-8874-BA32-8F94-CAD2D47D15A6}"/>
+              </a:ext>
+            </a:extLst>
+          </p:cNvPr>
+          <p:cNvCxnSpPr>
+            <a:cxnSpLocks/>
+          </p:cNvCxnSpPr>
+          <p:nvPr/>
+        </p:nvCxnSpPr>
+        <p:spPr>
+          <a:xfrm flipH="1">
+            <a:off x="1910812" y="10340462"/>
+            <a:ext cx="2655987" cy="568121"/>
+          </a:xfrm>
+          <a:prstGeom prst="straightConnector1">
+            <a:avLst/>
+          </a:prstGeom>
+          <a:ln>
+            <a:solidFill>
+              <a:srgbClr val="FF0000"/>
+            </a:solidFill>
+            <a:tailEnd type="triangle"/>
+          </a:ln>
+        </p:spPr>
+        <p:style>
+          <a:lnRef idx="1">
+            <a:schemeClr val="accent1"/>
+          </a:lnRef>
+          <a:fillRef idx="0">
+            <a:schemeClr val="accent1"/>
+          </a:fillRef>
+          <a:effectRef idx="0">
+            <a:schemeClr val="accent1"/>
+          </a:effectRef>
+          <a:fontRef idx="minor">
+            <a:schemeClr val="tx1"/>
+          </a:fontRef>
+        </p:style>
+      </p:cxnSp>
+      <p:sp>
+        <p:nvSpPr>
+          <p:cNvPr id="206" name="Rectangle 205">
+            <a:extLst>
+              <a:ext uri="{FF2B5EF4-FFF2-40B4-BE49-F238E27FC236}">
+                <a16:creationId xmlns:a16="http://schemas.microsoft.com/office/drawing/2014/main" id="{EB7031E2-4B33-8271-2C5B-5F90467FEAA8}"/>
+              </a:ext>
+            </a:extLst>
+          </p:cNvPr>
+          <p:cNvSpPr/>
+          <p:nvPr/>
+        </p:nvSpPr>
+        <p:spPr>
+          <a:xfrm>
+            <a:off x="97365" y="12856388"/>
+            <a:ext cx="2046993" cy="369333"/>
+          </a:xfrm>
+          <a:prstGeom prst="rect">
+            <a:avLst/>
+          </a:prstGeom>
+          <a:noFill/>
+        </p:spPr>
+        <p:style>
+          <a:lnRef idx="2">
+            <a:schemeClr val="accent1">
+              <a:shade val="50000"/>
+            </a:schemeClr>
+          </a:lnRef>
+          <a:fillRef idx="1">
+            <a:schemeClr val="accent1"/>
+          </a:fillRef>
+          <a:effectRef idx="0">
+            <a:schemeClr val="accent1"/>
+          </a:effectRef>
+          <a:fontRef idx="minor">
+            <a:schemeClr val="lt1"/>
+          </a:fontRef>
+        </p:style>
+        <p:txBody>
+          <a:bodyPr rtlCol="0" anchor="ctr"/>
+          <a:lstStyle/>
+          <a:p>
+            <a:pPr algn="ctr"/>
+            <a:r>
+              <a:rPr lang="en-US" b="1" dirty="0">
+                <a:solidFill>
+                  <a:schemeClr val="tx1"/>
+                </a:solidFill>
+              </a:rPr>
+              <a:t>Simulator</a:t>
+            </a:r>
+          </a:p>
+        </p:txBody>
+      </p:sp>
+      <p:cxnSp>
+        <p:nvCxnSpPr>
+          <p:cNvPr id="207" name="Straight Arrow Connector 206">
+            <a:extLst>
+              <a:ext uri="{FF2B5EF4-FFF2-40B4-BE49-F238E27FC236}">
+                <a16:creationId xmlns:a16="http://schemas.microsoft.com/office/drawing/2014/main" id="{0411C229-9A04-4346-0963-F8D3E723D4B5}"/>
+              </a:ext>
+            </a:extLst>
+          </p:cNvPr>
+          <p:cNvCxnSpPr>
+            <a:cxnSpLocks/>
+            <a:stCxn id="206" idx="0"/>
+            <a:endCxn id="181" idx="4"/>
+          </p:cNvCxnSpPr>
+          <p:nvPr/>
+        </p:nvCxnSpPr>
+        <p:spPr>
+          <a:xfrm flipV="1">
+            <a:off x="1120862" y="12196377"/>
+            <a:ext cx="452988" cy="660011"/>
+          </a:xfrm>
+          <a:prstGeom prst="straightConnector1">
+            <a:avLst/>
+          </a:prstGeom>
+          <a:ln>
+            <a:solidFill>
+              <a:srgbClr val="FF0000"/>
+            </a:solidFill>
+            <a:tailEnd type="triangle"/>
+          </a:ln>
+        </p:spPr>
+        <p:style>
+          <a:lnRef idx="1">
+            <a:schemeClr val="accent1"/>
+          </a:lnRef>
+          <a:fillRef idx="0">
+            <a:schemeClr val="accent1"/>
+          </a:fillRef>
+          <a:effectRef idx="0">
+            <a:schemeClr val="accent1"/>
+          </a:effectRef>
+          <a:fontRef idx="minor">
+            <a:schemeClr val="tx1"/>
+          </a:fontRef>
+        </p:style>
+      </p:cxnSp>
     </p:spTree>
     <p:extLst>
       <p:ext uri="{BB962C8B-B14F-4D97-AF65-F5344CB8AC3E}">
@@ -6965,7 +9424,7 @@
         </p:nvSpPr>
         <p:spPr>
           <a:xfrm>
-            <a:off x="9827056" y="2339238"/>
+            <a:off x="9872277" y="2137869"/>
             <a:ext cx="1415470" cy="369332"/>
           </a:xfrm>
           <a:prstGeom prst="rect">
@@ -7018,7 +9477,7 @@
             <a:pPr algn="ctr"/>
             <a:r>
               <a:rPr lang="en-US" dirty="0"/>
-              <a:t>172.16.0.6</a:t>
+              <a:t>172.16.0.9</a:t>
             </a:r>
           </a:p>
         </p:txBody>
@@ -7604,7 +10063,7 @@
         </p:nvSpPr>
         <p:spPr>
           <a:xfrm>
-            <a:off x="762148" y="547185"/>
+            <a:off x="63994" y="221285"/>
             <a:ext cx="1571625" cy="369332"/>
           </a:xfrm>
           <a:prstGeom prst="rect">
@@ -7892,7 +10351,7 @@
         </p:nvSpPr>
         <p:spPr>
           <a:xfrm>
-            <a:off x="2605591" y="4837020"/>
+            <a:off x="3239868" y="4582490"/>
             <a:ext cx="1723017" cy="369332"/>
           </a:xfrm>
           <a:prstGeom prst="rect">
@@ -8324,7 +10783,7 @@
         </p:nvSpPr>
         <p:spPr>
           <a:xfrm>
-            <a:off x="5009577" y="-211601"/>
+            <a:off x="5802098" y="-34888"/>
             <a:ext cx="1415470" cy="369332"/>
           </a:xfrm>
           <a:prstGeom prst="rect">
@@ -8714,7 +11173,7 @@
         </p:nvSpPr>
         <p:spPr>
           <a:xfrm>
-            <a:off x="5280817" y="4767696"/>
+            <a:off x="4593751" y="4846094"/>
             <a:ext cx="1723017" cy="369332"/>
           </a:xfrm>
           <a:prstGeom prst="rect">
@@ -8768,6 +11227,1521 @@
             <a:r>
               <a:rPr lang="en-US" sz="1600" b="1" dirty="0"/>
               <a:t>5432</a:t>
+            </a:r>
+          </a:p>
+        </p:txBody>
+      </p:sp>
+      <p:sp>
+        <p:nvSpPr>
+          <p:cNvPr id="43" name="Cube 42">
+            <a:extLst>
+              <a:ext uri="{FF2B5EF4-FFF2-40B4-BE49-F238E27FC236}">
+                <a16:creationId xmlns:a16="http://schemas.microsoft.com/office/drawing/2014/main" id="{72E62B3B-2119-D15A-02C0-D1D10AAD951A}"/>
+              </a:ext>
+            </a:extLst>
+          </p:cNvPr>
+          <p:cNvSpPr/>
+          <p:nvPr/>
+        </p:nvSpPr>
+        <p:spPr>
+          <a:xfrm>
+            <a:off x="7762961" y="-1580394"/>
+            <a:ext cx="2301585" cy="1533236"/>
+          </a:xfrm>
+          <a:prstGeom prst="cube">
+            <a:avLst/>
+          </a:prstGeom>
+          <a:noFill/>
+        </p:spPr>
+        <p:style>
+          <a:lnRef idx="2">
+            <a:schemeClr val="accent1">
+              <a:shade val="50000"/>
+            </a:schemeClr>
+          </a:lnRef>
+          <a:fillRef idx="1">
+            <a:schemeClr val="accent1"/>
+          </a:fillRef>
+          <a:effectRef idx="0">
+            <a:schemeClr val="accent1"/>
+          </a:effectRef>
+          <a:fontRef idx="minor">
+            <a:schemeClr val="lt1"/>
+          </a:fontRef>
+        </p:style>
+        <p:txBody>
+          <a:bodyPr rtlCol="0" anchor="ctr"/>
+          <a:lstStyle/>
+          <a:p>
+            <a:pPr algn="ctr"/>
+            <a:endParaRPr lang="en-US"/>
+          </a:p>
+        </p:txBody>
+      </p:sp>
+      <p:sp>
+        <p:nvSpPr>
+          <p:cNvPr id="44" name="TextBox 43">
+            <a:extLst>
+              <a:ext uri="{FF2B5EF4-FFF2-40B4-BE49-F238E27FC236}">
+                <a16:creationId xmlns:a16="http://schemas.microsoft.com/office/drawing/2014/main" id="{D4C1ECCF-F766-C8BD-57D0-2EB45AC6D119}"/>
+              </a:ext>
+            </a:extLst>
+          </p:cNvPr>
+          <p:cNvSpPr txBox="1"/>
+          <p:nvPr/>
+        </p:nvSpPr>
+        <p:spPr>
+          <a:xfrm>
+            <a:off x="10064546" y="-1202083"/>
+            <a:ext cx="1415470" cy="369332"/>
+          </a:xfrm>
+          <a:prstGeom prst="rect">
+            <a:avLst/>
+          </a:prstGeom>
+          <a:noFill/>
+        </p:spPr>
+        <p:txBody>
+          <a:bodyPr wrap="square">
+            <a:spAutoFit/>
+          </a:bodyPr>
+          <a:lstStyle/>
+          <a:p>
+            <a:pPr algn="ctr"/>
+            <a:r>
+              <a:rPr lang="en-US" dirty="0"/>
+              <a:t>172.16.0.6</a:t>
+            </a:r>
+          </a:p>
+        </p:txBody>
+      </p:sp>
+      <p:sp>
+        <p:nvSpPr>
+          <p:cNvPr id="50" name="TextBox 49">
+            <a:extLst>
+              <a:ext uri="{FF2B5EF4-FFF2-40B4-BE49-F238E27FC236}">
+                <a16:creationId xmlns:a16="http://schemas.microsoft.com/office/drawing/2014/main" id="{80229345-99E8-26AD-BA2A-134358CABA82}"/>
+              </a:ext>
+            </a:extLst>
+          </p:cNvPr>
+          <p:cNvSpPr txBox="1"/>
+          <p:nvPr/>
+        </p:nvSpPr>
+        <p:spPr>
+          <a:xfrm>
+            <a:off x="8226652" y="-1540637"/>
+            <a:ext cx="1643788" cy="338554"/>
+          </a:xfrm>
+          <a:prstGeom prst="rect">
+            <a:avLst/>
+          </a:prstGeom>
+          <a:noFill/>
+        </p:spPr>
+        <p:txBody>
+          <a:bodyPr wrap="square" rtlCol="0">
+            <a:spAutoFit/>
+          </a:bodyPr>
+          <a:lstStyle/>
+          <a:p>
+            <a:pPr algn="ctr"/>
+            <a:r>
+              <a:rPr lang="en-US" sz="1600" b="1" dirty="0"/>
+              <a:t>Docker container</a:t>
+            </a:r>
+          </a:p>
+        </p:txBody>
+      </p:sp>
+      <p:grpSp>
+        <p:nvGrpSpPr>
+          <p:cNvPr id="51" name="Group 50">
+            <a:extLst>
+              <a:ext uri="{FF2B5EF4-FFF2-40B4-BE49-F238E27FC236}">
+                <a16:creationId xmlns:a16="http://schemas.microsoft.com/office/drawing/2014/main" id="{DAD56538-2D53-FEFF-88A7-429065387D26}"/>
+              </a:ext>
+            </a:extLst>
+          </p:cNvPr>
+          <p:cNvGrpSpPr/>
+          <p:nvPr/>
+        </p:nvGrpSpPr>
+        <p:grpSpPr>
+          <a:xfrm>
+            <a:off x="7801061" y="-1110046"/>
+            <a:ext cx="1838325" cy="952582"/>
+            <a:chOff x="4552950" y="4552868"/>
+            <a:chExt cx="1838325" cy="952582"/>
+          </a:xfrm>
+        </p:grpSpPr>
+        <p:sp>
+          <p:nvSpPr>
+            <p:cNvPr id="52" name="TextBox 51">
+              <a:extLst>
+                <a:ext uri="{FF2B5EF4-FFF2-40B4-BE49-F238E27FC236}">
+                  <a16:creationId xmlns:a16="http://schemas.microsoft.com/office/drawing/2014/main" id="{9B1131A3-CABE-6010-7625-9132C1078FA9}"/>
+                </a:ext>
+              </a:extLst>
+            </p:cNvPr>
+            <p:cNvSpPr txBox="1"/>
+            <p:nvPr/>
+          </p:nvSpPr>
+          <p:spPr>
+            <a:xfrm>
+              <a:off x="4682981" y="4552868"/>
+              <a:ext cx="1704973" cy="338554"/>
+            </a:xfrm>
+            <a:prstGeom prst="rect">
+              <a:avLst/>
+            </a:prstGeom>
+            <a:noFill/>
+          </p:spPr>
+          <p:txBody>
+            <a:bodyPr wrap="square" rtlCol="0">
+              <a:spAutoFit/>
+            </a:bodyPr>
+            <a:lstStyle/>
+            <a:p>
+              <a:pPr algn="ctr"/>
+              <a:r>
+                <a:rPr lang="en-US" sz="1600" b="1" dirty="0"/>
+                <a:t>Postgres Server</a:t>
+              </a:r>
+            </a:p>
+          </p:txBody>
+        </p:sp>
+        <p:sp>
+          <p:nvSpPr>
+            <p:cNvPr id="54" name="Rectangle 53">
+              <a:extLst>
+                <a:ext uri="{FF2B5EF4-FFF2-40B4-BE49-F238E27FC236}">
+                  <a16:creationId xmlns:a16="http://schemas.microsoft.com/office/drawing/2014/main" id="{443BCC62-AB8F-379F-FF5E-02C9003BF83F}"/>
+                </a:ext>
+              </a:extLst>
+            </p:cNvPr>
+            <p:cNvSpPr/>
+            <p:nvPr/>
+          </p:nvSpPr>
+          <p:spPr>
+            <a:xfrm>
+              <a:off x="4619985" y="4931575"/>
+              <a:ext cx="1736291" cy="419100"/>
+            </a:xfrm>
+            <a:prstGeom prst="rect">
+              <a:avLst/>
+            </a:prstGeom>
+          </p:spPr>
+          <p:style>
+            <a:lnRef idx="2">
+              <a:schemeClr val="accent1">
+                <a:shade val="50000"/>
+              </a:schemeClr>
+            </a:lnRef>
+            <a:fillRef idx="1">
+              <a:schemeClr val="accent1"/>
+            </a:fillRef>
+            <a:effectRef idx="0">
+              <a:schemeClr val="accent1"/>
+            </a:effectRef>
+            <a:fontRef idx="minor">
+              <a:schemeClr val="lt1"/>
+            </a:fontRef>
+          </p:style>
+          <p:txBody>
+            <a:bodyPr rtlCol="0" anchor="ctr"/>
+            <a:lstStyle/>
+            <a:p>
+              <a:pPr algn="ctr"/>
+              <a:r>
+                <a:rPr lang="en-US" dirty="0"/>
+                <a:t>Monitoring Database</a:t>
+              </a:r>
+            </a:p>
+          </p:txBody>
+        </p:sp>
+        <p:sp>
+          <p:nvSpPr>
+            <p:cNvPr id="57" name="Rectangle 56">
+              <a:extLst>
+                <a:ext uri="{FF2B5EF4-FFF2-40B4-BE49-F238E27FC236}">
+                  <a16:creationId xmlns:a16="http://schemas.microsoft.com/office/drawing/2014/main" id="{675BC1C9-3E26-7CC9-46BB-ACE39C9522CE}"/>
+                </a:ext>
+              </a:extLst>
+            </p:cNvPr>
+            <p:cNvSpPr/>
+            <p:nvPr/>
+          </p:nvSpPr>
+          <p:spPr>
+            <a:xfrm>
+              <a:off x="4552950" y="4581525"/>
+              <a:ext cx="1838325" cy="923925"/>
+            </a:xfrm>
+            <a:prstGeom prst="rect">
+              <a:avLst/>
+            </a:prstGeom>
+            <a:noFill/>
+          </p:spPr>
+          <p:style>
+            <a:lnRef idx="2">
+              <a:schemeClr val="accent1">
+                <a:shade val="50000"/>
+              </a:schemeClr>
+            </a:lnRef>
+            <a:fillRef idx="1">
+              <a:schemeClr val="accent1"/>
+            </a:fillRef>
+            <a:effectRef idx="0">
+              <a:schemeClr val="accent1"/>
+            </a:effectRef>
+            <a:fontRef idx="minor">
+              <a:schemeClr val="lt1"/>
+            </a:fontRef>
+          </p:style>
+          <p:txBody>
+            <a:bodyPr rtlCol="0" anchor="ctr"/>
+            <a:lstStyle/>
+            <a:p>
+              <a:pPr algn="ctr"/>
+              <a:endParaRPr lang="en-US"/>
+            </a:p>
+          </p:txBody>
+        </p:sp>
+      </p:grpSp>
+      <p:sp>
+        <p:nvSpPr>
+          <p:cNvPr id="58" name="Cube 57">
+            <a:extLst>
+              <a:ext uri="{FF2B5EF4-FFF2-40B4-BE49-F238E27FC236}">
+                <a16:creationId xmlns:a16="http://schemas.microsoft.com/office/drawing/2014/main" id="{9657F8B0-70F1-95C4-F68A-7F8ABA558C24}"/>
+              </a:ext>
+            </a:extLst>
+          </p:cNvPr>
+          <p:cNvSpPr/>
+          <p:nvPr/>
+        </p:nvSpPr>
+        <p:spPr>
+          <a:xfrm>
+            <a:off x="4478714" y="-1869541"/>
+            <a:ext cx="2301585" cy="1533236"/>
+          </a:xfrm>
+          <a:prstGeom prst="cube">
+            <a:avLst/>
+          </a:prstGeom>
+          <a:noFill/>
+        </p:spPr>
+        <p:style>
+          <a:lnRef idx="2">
+            <a:schemeClr val="accent1">
+              <a:shade val="50000"/>
+            </a:schemeClr>
+          </a:lnRef>
+          <a:fillRef idx="1">
+            <a:schemeClr val="accent1"/>
+          </a:fillRef>
+          <a:effectRef idx="0">
+            <a:schemeClr val="accent1"/>
+          </a:effectRef>
+          <a:fontRef idx="minor">
+            <a:schemeClr val="lt1"/>
+          </a:fontRef>
+        </p:style>
+        <p:txBody>
+          <a:bodyPr rtlCol="0" anchor="ctr"/>
+          <a:lstStyle/>
+          <a:p>
+            <a:pPr algn="ctr"/>
+            <a:endParaRPr lang="en-US"/>
+          </a:p>
+        </p:txBody>
+      </p:sp>
+      <p:sp>
+        <p:nvSpPr>
+          <p:cNvPr id="59" name="TextBox 58">
+            <a:extLst>
+              <a:ext uri="{FF2B5EF4-FFF2-40B4-BE49-F238E27FC236}">
+                <a16:creationId xmlns:a16="http://schemas.microsoft.com/office/drawing/2014/main" id="{12CEA5FA-9F72-8643-6062-8DD6D3E4C316}"/>
+              </a:ext>
+            </a:extLst>
+          </p:cNvPr>
+          <p:cNvSpPr txBox="1"/>
+          <p:nvPr/>
+        </p:nvSpPr>
+        <p:spPr>
+          <a:xfrm>
+            <a:off x="4926244" y="-1840175"/>
+            <a:ext cx="1643788" cy="338554"/>
+          </a:xfrm>
+          <a:prstGeom prst="rect">
+            <a:avLst/>
+          </a:prstGeom>
+          <a:noFill/>
+        </p:spPr>
+        <p:txBody>
+          <a:bodyPr wrap="square" rtlCol="0">
+            <a:spAutoFit/>
+          </a:bodyPr>
+          <a:lstStyle/>
+          <a:p>
+            <a:pPr algn="ctr"/>
+            <a:r>
+              <a:rPr lang="en-US" sz="1600" b="1" dirty="0"/>
+              <a:t>Docker container</a:t>
+            </a:r>
+          </a:p>
+        </p:txBody>
+      </p:sp>
+      <p:grpSp>
+        <p:nvGrpSpPr>
+          <p:cNvPr id="60" name="Group 59">
+            <a:extLst>
+              <a:ext uri="{FF2B5EF4-FFF2-40B4-BE49-F238E27FC236}">
+                <a16:creationId xmlns:a16="http://schemas.microsoft.com/office/drawing/2014/main" id="{18A4C909-FB75-7D2B-317A-43E5E6B23A3F}"/>
+              </a:ext>
+            </a:extLst>
+          </p:cNvPr>
+          <p:cNvGrpSpPr/>
+          <p:nvPr/>
+        </p:nvGrpSpPr>
+        <p:grpSpPr>
+          <a:xfrm>
+            <a:off x="4511762" y="-1380926"/>
+            <a:ext cx="1838325" cy="923925"/>
+            <a:chOff x="4552950" y="4581525"/>
+            <a:chExt cx="1838325" cy="923925"/>
+          </a:xfrm>
+        </p:grpSpPr>
+        <p:sp>
+          <p:nvSpPr>
+            <p:cNvPr id="61" name="TextBox 60">
+              <a:extLst>
+                <a:ext uri="{FF2B5EF4-FFF2-40B4-BE49-F238E27FC236}">
+                  <a16:creationId xmlns:a16="http://schemas.microsoft.com/office/drawing/2014/main" id="{3DDCC7FE-4AC1-D860-93B8-F220230C7485}"/>
+                </a:ext>
+              </a:extLst>
+            </p:cNvPr>
+            <p:cNvSpPr txBox="1"/>
+            <p:nvPr/>
+          </p:nvSpPr>
+          <p:spPr>
+            <a:xfrm>
+              <a:off x="4800598" y="4581525"/>
+              <a:ext cx="1419225" cy="338554"/>
+            </a:xfrm>
+            <a:prstGeom prst="rect">
+              <a:avLst/>
+            </a:prstGeom>
+            <a:noFill/>
+          </p:spPr>
+          <p:txBody>
+            <a:bodyPr wrap="square" rtlCol="0">
+              <a:spAutoFit/>
+            </a:bodyPr>
+            <a:lstStyle/>
+            <a:p>
+              <a:pPr algn="ctr"/>
+              <a:r>
+                <a:rPr lang="en-US" sz="1600" b="1" dirty="0"/>
+                <a:t>Tomcat Server</a:t>
+              </a:r>
+            </a:p>
+          </p:txBody>
+        </p:sp>
+        <p:sp>
+          <p:nvSpPr>
+            <p:cNvPr id="62" name="Rectangle 61">
+              <a:extLst>
+                <a:ext uri="{FF2B5EF4-FFF2-40B4-BE49-F238E27FC236}">
+                  <a16:creationId xmlns:a16="http://schemas.microsoft.com/office/drawing/2014/main" id="{708483E5-70E9-7192-7AD2-03D871FD9A79}"/>
+                </a:ext>
+              </a:extLst>
+            </p:cNvPr>
+            <p:cNvSpPr/>
+            <p:nvPr/>
+          </p:nvSpPr>
+          <p:spPr>
+            <a:xfrm>
+              <a:off x="4602017" y="4942788"/>
+              <a:ext cx="1695159" cy="465906"/>
+            </a:xfrm>
+            <a:prstGeom prst="rect">
+              <a:avLst/>
+            </a:prstGeom>
+          </p:spPr>
+          <p:style>
+            <a:lnRef idx="2">
+              <a:schemeClr val="accent1">
+                <a:shade val="50000"/>
+              </a:schemeClr>
+            </a:lnRef>
+            <a:fillRef idx="1">
+              <a:schemeClr val="accent1"/>
+            </a:fillRef>
+            <a:effectRef idx="0">
+              <a:schemeClr val="accent1"/>
+            </a:effectRef>
+            <a:fontRef idx="minor">
+              <a:schemeClr val="lt1"/>
+            </a:fontRef>
+          </p:style>
+          <p:txBody>
+            <a:bodyPr rtlCol="0" anchor="ctr"/>
+            <a:lstStyle/>
+            <a:p>
+              <a:pPr algn="ctr"/>
+              <a:r>
+                <a:rPr lang="en-US" dirty="0"/>
+                <a:t>Back-end Monitoring</a:t>
+              </a:r>
+            </a:p>
+          </p:txBody>
+        </p:sp>
+        <p:sp>
+          <p:nvSpPr>
+            <p:cNvPr id="63" name="Rectangle 62">
+              <a:extLst>
+                <a:ext uri="{FF2B5EF4-FFF2-40B4-BE49-F238E27FC236}">
+                  <a16:creationId xmlns:a16="http://schemas.microsoft.com/office/drawing/2014/main" id="{D67E0BB7-40F0-D261-37CB-3C416E584C29}"/>
+                </a:ext>
+              </a:extLst>
+            </p:cNvPr>
+            <p:cNvSpPr/>
+            <p:nvPr/>
+          </p:nvSpPr>
+          <p:spPr>
+            <a:xfrm>
+              <a:off x="4552950" y="4581525"/>
+              <a:ext cx="1838325" cy="923925"/>
+            </a:xfrm>
+            <a:prstGeom prst="rect">
+              <a:avLst/>
+            </a:prstGeom>
+            <a:noFill/>
+          </p:spPr>
+          <p:style>
+            <a:lnRef idx="2">
+              <a:schemeClr val="accent1">
+                <a:shade val="50000"/>
+              </a:schemeClr>
+            </a:lnRef>
+            <a:fillRef idx="1">
+              <a:schemeClr val="accent1"/>
+            </a:fillRef>
+            <a:effectRef idx="0">
+              <a:schemeClr val="accent1"/>
+            </a:effectRef>
+            <a:fontRef idx="minor">
+              <a:schemeClr val="lt1"/>
+            </a:fontRef>
+          </p:style>
+          <p:txBody>
+            <a:bodyPr rtlCol="0" anchor="ctr"/>
+            <a:lstStyle/>
+            <a:p>
+              <a:pPr algn="ctr"/>
+              <a:endParaRPr lang="en-US"/>
+            </a:p>
+          </p:txBody>
+        </p:sp>
+      </p:grpSp>
+      <p:cxnSp>
+        <p:nvCxnSpPr>
+          <p:cNvPr id="64" name="Straight Arrow Connector 63">
+            <a:extLst>
+              <a:ext uri="{FF2B5EF4-FFF2-40B4-BE49-F238E27FC236}">
+                <a16:creationId xmlns:a16="http://schemas.microsoft.com/office/drawing/2014/main" id="{D4C0D09E-9B1A-CD40-674B-26C1B7F8F3B8}"/>
+              </a:ext>
+            </a:extLst>
+          </p:cNvPr>
+          <p:cNvCxnSpPr>
+            <a:cxnSpLocks/>
+            <a:stCxn id="58" idx="5"/>
+            <a:endCxn id="57" idx="1"/>
+          </p:cNvCxnSpPr>
+          <p:nvPr/>
+        </p:nvCxnSpPr>
+        <p:spPr>
+          <a:xfrm>
+            <a:off x="6780299" y="-1294577"/>
+            <a:ext cx="1020762" cy="675151"/>
+          </a:xfrm>
+          <a:prstGeom prst="straightConnector1">
+            <a:avLst/>
+          </a:prstGeom>
+          <a:ln>
+            <a:tailEnd type="triangle"/>
+          </a:ln>
+        </p:spPr>
+        <p:style>
+          <a:lnRef idx="1">
+            <a:schemeClr val="accent1"/>
+          </a:lnRef>
+          <a:fillRef idx="0">
+            <a:schemeClr val="accent1"/>
+          </a:fillRef>
+          <a:effectRef idx="0">
+            <a:schemeClr val="accent1"/>
+          </a:effectRef>
+          <a:fontRef idx="minor">
+            <a:schemeClr val="tx1"/>
+          </a:fontRef>
+        </p:style>
+      </p:cxnSp>
+      <p:sp>
+        <p:nvSpPr>
+          <p:cNvPr id="67" name="TextBox 66">
+            <a:extLst>
+              <a:ext uri="{FF2B5EF4-FFF2-40B4-BE49-F238E27FC236}">
+                <a16:creationId xmlns:a16="http://schemas.microsoft.com/office/drawing/2014/main" id="{5E8A515F-2747-1165-AE4E-9C9589BB2F2B}"/>
+              </a:ext>
+            </a:extLst>
+          </p:cNvPr>
+          <p:cNvSpPr txBox="1"/>
+          <p:nvPr/>
+        </p:nvSpPr>
+        <p:spPr>
+          <a:xfrm>
+            <a:off x="6284966" y="-561399"/>
+            <a:ext cx="1169269" cy="369332"/>
+          </a:xfrm>
+          <a:prstGeom prst="rect">
+            <a:avLst/>
+          </a:prstGeom>
+          <a:noFill/>
+        </p:spPr>
+        <p:txBody>
+          <a:bodyPr wrap="square">
+            <a:spAutoFit/>
+          </a:bodyPr>
+          <a:lstStyle/>
+          <a:p>
+            <a:pPr algn="ctr"/>
+            <a:r>
+              <a:rPr lang="en-US" sz="1800" b="1" dirty="0"/>
+              <a:t>8082</a:t>
+            </a:r>
+          </a:p>
+        </p:txBody>
+      </p:sp>
+      <p:sp>
+        <p:nvSpPr>
+          <p:cNvPr id="68" name="TextBox 67">
+            <a:extLst>
+              <a:ext uri="{FF2B5EF4-FFF2-40B4-BE49-F238E27FC236}">
+                <a16:creationId xmlns:a16="http://schemas.microsoft.com/office/drawing/2014/main" id="{68C555B3-588C-02C0-0671-43AD250AA9C0}"/>
+              </a:ext>
+            </a:extLst>
+          </p:cNvPr>
+          <p:cNvSpPr txBox="1"/>
+          <p:nvPr/>
+        </p:nvSpPr>
+        <p:spPr>
+          <a:xfrm>
+            <a:off x="9604387" y="-359552"/>
+            <a:ext cx="1419225" cy="338554"/>
+          </a:xfrm>
+          <a:prstGeom prst="rect">
+            <a:avLst/>
+          </a:prstGeom>
+          <a:noFill/>
+        </p:spPr>
+        <p:txBody>
+          <a:bodyPr wrap="square" rtlCol="0">
+            <a:spAutoFit/>
+          </a:bodyPr>
+          <a:lstStyle/>
+          <a:p>
+            <a:pPr algn="ctr"/>
+            <a:r>
+              <a:rPr lang="en-US" sz="1600" b="1" dirty="0"/>
+              <a:t>5432</a:t>
+            </a:r>
+          </a:p>
+        </p:txBody>
+      </p:sp>
+      <p:sp>
+        <p:nvSpPr>
+          <p:cNvPr id="69" name="TextBox 68">
+            <a:extLst>
+              <a:ext uri="{FF2B5EF4-FFF2-40B4-BE49-F238E27FC236}">
+                <a16:creationId xmlns:a16="http://schemas.microsoft.com/office/drawing/2014/main" id="{B70C26B5-B166-3FA9-35E8-B5C11270F623}"/>
+              </a:ext>
+            </a:extLst>
+          </p:cNvPr>
+          <p:cNvSpPr txBox="1"/>
+          <p:nvPr/>
+        </p:nvSpPr>
+        <p:spPr>
+          <a:xfrm>
+            <a:off x="5802098" y="-2214928"/>
+            <a:ext cx="1415470" cy="369332"/>
+          </a:xfrm>
+          <a:prstGeom prst="rect">
+            <a:avLst/>
+          </a:prstGeom>
+          <a:noFill/>
+        </p:spPr>
+        <p:txBody>
+          <a:bodyPr wrap="square">
+            <a:spAutoFit/>
+          </a:bodyPr>
+          <a:lstStyle/>
+          <a:p>
+            <a:pPr algn="ctr"/>
+            <a:r>
+              <a:rPr lang="en-US" dirty="0"/>
+              <a:t>172.16.0.7</a:t>
+            </a:r>
+          </a:p>
+        </p:txBody>
+      </p:sp>
+      <p:cxnSp>
+        <p:nvCxnSpPr>
+          <p:cNvPr id="70" name="Straight Arrow Connector 69">
+            <a:extLst>
+              <a:ext uri="{FF2B5EF4-FFF2-40B4-BE49-F238E27FC236}">
+                <a16:creationId xmlns:a16="http://schemas.microsoft.com/office/drawing/2014/main" id="{EDB79F3E-71C8-0CD8-6BCC-6F9A4F657DDA}"/>
+              </a:ext>
+            </a:extLst>
+          </p:cNvPr>
+          <p:cNvCxnSpPr>
+            <a:cxnSpLocks/>
+            <a:endCxn id="67" idx="1"/>
+          </p:cNvCxnSpPr>
+          <p:nvPr/>
+        </p:nvCxnSpPr>
+        <p:spPr>
+          <a:xfrm flipV="1">
+            <a:off x="6174128" y="-376733"/>
+            <a:ext cx="110838" cy="6256490"/>
+          </a:xfrm>
+          <a:prstGeom prst="straightConnector1">
+            <a:avLst/>
+          </a:prstGeom>
+          <a:ln>
+            <a:tailEnd type="triangle"/>
+          </a:ln>
+        </p:spPr>
+        <p:style>
+          <a:lnRef idx="1">
+            <a:schemeClr val="accent1"/>
+          </a:lnRef>
+          <a:fillRef idx="0">
+            <a:schemeClr val="accent1"/>
+          </a:fillRef>
+          <a:effectRef idx="0">
+            <a:schemeClr val="accent1"/>
+          </a:effectRef>
+          <a:fontRef idx="minor">
+            <a:schemeClr val="tx1"/>
+          </a:fontRef>
+        </p:style>
+      </p:cxnSp>
+      <p:sp>
+        <p:nvSpPr>
+          <p:cNvPr id="75" name="TextBox 74">
+            <a:extLst>
+              <a:ext uri="{FF2B5EF4-FFF2-40B4-BE49-F238E27FC236}">
+                <a16:creationId xmlns:a16="http://schemas.microsoft.com/office/drawing/2014/main" id="{243FDF69-F8D3-DB98-245A-69976727DA2A}"/>
+              </a:ext>
+            </a:extLst>
+          </p:cNvPr>
+          <p:cNvSpPr txBox="1"/>
+          <p:nvPr/>
+        </p:nvSpPr>
+        <p:spPr>
+          <a:xfrm>
+            <a:off x="5500631" y="5332695"/>
+            <a:ext cx="1723017" cy="369332"/>
+          </a:xfrm>
+          <a:prstGeom prst="rect">
+            <a:avLst/>
+          </a:prstGeom>
+          <a:noFill/>
+        </p:spPr>
+        <p:txBody>
+          <a:bodyPr wrap="square">
+            <a:spAutoFit/>
+          </a:bodyPr>
+          <a:lstStyle/>
+          <a:p>
+            <a:pPr algn="ctr"/>
+            <a:r>
+              <a:rPr lang="en-US" dirty="0"/>
+              <a:t>Localhost:8082</a:t>
+            </a:r>
+          </a:p>
+        </p:txBody>
+      </p:sp>
+      <p:sp>
+        <p:nvSpPr>
+          <p:cNvPr id="76" name="Cube 75">
+            <a:extLst>
+              <a:ext uri="{FF2B5EF4-FFF2-40B4-BE49-F238E27FC236}">
+                <a16:creationId xmlns:a16="http://schemas.microsoft.com/office/drawing/2014/main" id="{D6350C33-B5F0-A9A5-6D79-F3693CC8A1C2}"/>
+              </a:ext>
+            </a:extLst>
+          </p:cNvPr>
+          <p:cNvSpPr/>
+          <p:nvPr/>
+        </p:nvSpPr>
+        <p:spPr>
+          <a:xfrm>
+            <a:off x="1145289" y="-1376123"/>
+            <a:ext cx="2333914" cy="1533236"/>
+          </a:xfrm>
+          <a:prstGeom prst="cube">
+            <a:avLst/>
+          </a:prstGeom>
+          <a:noFill/>
+        </p:spPr>
+        <p:style>
+          <a:lnRef idx="2">
+            <a:schemeClr val="accent1">
+              <a:shade val="50000"/>
+            </a:schemeClr>
+          </a:lnRef>
+          <a:fillRef idx="1">
+            <a:schemeClr val="accent1"/>
+          </a:fillRef>
+          <a:effectRef idx="0">
+            <a:schemeClr val="accent1"/>
+          </a:effectRef>
+          <a:fontRef idx="minor">
+            <a:schemeClr val="lt1"/>
+          </a:fontRef>
+        </p:style>
+        <p:txBody>
+          <a:bodyPr rtlCol="0" anchor="ctr"/>
+          <a:lstStyle/>
+          <a:p>
+            <a:pPr algn="ctr"/>
+            <a:endParaRPr lang="en-US"/>
+          </a:p>
+        </p:txBody>
+      </p:sp>
+      <p:sp>
+        <p:nvSpPr>
+          <p:cNvPr id="77" name="TextBox 76">
+            <a:extLst>
+              <a:ext uri="{FF2B5EF4-FFF2-40B4-BE49-F238E27FC236}">
+                <a16:creationId xmlns:a16="http://schemas.microsoft.com/office/drawing/2014/main" id="{E305385F-53A6-2829-2509-AF865303491B}"/>
+              </a:ext>
+            </a:extLst>
+          </p:cNvPr>
+          <p:cNvSpPr txBox="1"/>
+          <p:nvPr/>
+        </p:nvSpPr>
+        <p:spPr>
+          <a:xfrm>
+            <a:off x="967719" y="-1737155"/>
+            <a:ext cx="2689053" cy="369332"/>
+          </a:xfrm>
+          <a:prstGeom prst="rect">
+            <a:avLst/>
+          </a:prstGeom>
+          <a:noFill/>
+        </p:spPr>
+        <p:txBody>
+          <a:bodyPr wrap="square">
+            <a:spAutoFit/>
+          </a:bodyPr>
+          <a:lstStyle/>
+          <a:p>
+            <a:pPr algn="ctr"/>
+            <a:r>
+              <a:rPr lang="en-US" dirty="0"/>
+              <a:t>cow.rmq2.cloudamqp.com</a:t>
+            </a:r>
+          </a:p>
+        </p:txBody>
+      </p:sp>
+      <p:sp>
+        <p:nvSpPr>
+          <p:cNvPr id="78" name="TextBox 77">
+            <a:extLst>
+              <a:ext uri="{FF2B5EF4-FFF2-40B4-BE49-F238E27FC236}">
+                <a16:creationId xmlns:a16="http://schemas.microsoft.com/office/drawing/2014/main" id="{8956BF24-96DF-2E22-5CDE-AF3305DF25A2}"/>
+              </a:ext>
+            </a:extLst>
+          </p:cNvPr>
+          <p:cNvSpPr txBox="1"/>
+          <p:nvPr/>
+        </p:nvSpPr>
+        <p:spPr>
+          <a:xfrm>
+            <a:off x="1295815" y="-1336366"/>
+            <a:ext cx="1838325" cy="338554"/>
+          </a:xfrm>
+          <a:prstGeom prst="rect">
+            <a:avLst/>
+          </a:prstGeom>
+          <a:noFill/>
+        </p:spPr>
+        <p:txBody>
+          <a:bodyPr wrap="square" rtlCol="0">
+            <a:spAutoFit/>
+          </a:bodyPr>
+          <a:lstStyle/>
+          <a:p>
+            <a:pPr algn="ctr"/>
+            <a:r>
+              <a:rPr lang="en-US" sz="1600" b="1" dirty="0"/>
+              <a:t>RabbitMQ</a:t>
+            </a:r>
+          </a:p>
+        </p:txBody>
+      </p:sp>
+      <p:grpSp>
+        <p:nvGrpSpPr>
+          <p:cNvPr id="79" name="Group 78">
+            <a:extLst>
+              <a:ext uri="{FF2B5EF4-FFF2-40B4-BE49-F238E27FC236}">
+                <a16:creationId xmlns:a16="http://schemas.microsoft.com/office/drawing/2014/main" id="{0827291F-9DE0-DB16-79A2-3C9703B3969F}"/>
+              </a:ext>
+            </a:extLst>
+          </p:cNvPr>
+          <p:cNvGrpSpPr/>
+          <p:nvPr/>
+        </p:nvGrpSpPr>
+        <p:grpSpPr>
+          <a:xfrm>
+            <a:off x="1202439" y="-886802"/>
+            <a:ext cx="1876425" cy="923925"/>
+            <a:chOff x="4552950" y="4581525"/>
+            <a:chExt cx="1876425" cy="923925"/>
+          </a:xfrm>
+        </p:grpSpPr>
+        <p:sp>
+          <p:nvSpPr>
+            <p:cNvPr id="80" name="TextBox 79">
+              <a:extLst>
+                <a:ext uri="{FF2B5EF4-FFF2-40B4-BE49-F238E27FC236}">
+                  <a16:creationId xmlns:a16="http://schemas.microsoft.com/office/drawing/2014/main" id="{72747FFA-2B03-44A5-985A-907C8BEBCA06}"/>
+                </a:ext>
+              </a:extLst>
+            </p:cNvPr>
+            <p:cNvSpPr txBox="1"/>
+            <p:nvPr/>
+          </p:nvSpPr>
+          <p:spPr>
+            <a:xfrm>
+              <a:off x="4806370" y="4581525"/>
+              <a:ext cx="1419225" cy="584775"/>
+            </a:xfrm>
+            <a:prstGeom prst="rect">
+              <a:avLst/>
+            </a:prstGeom>
+            <a:noFill/>
+          </p:spPr>
+          <p:txBody>
+            <a:bodyPr wrap="square" rtlCol="0">
+              <a:spAutoFit/>
+            </a:bodyPr>
+            <a:lstStyle/>
+            <a:p>
+              <a:pPr algn="ctr"/>
+              <a:r>
+                <a:rPr lang="en-US" sz="1600" b="1" dirty="0"/>
+                <a:t>RabbitMQ Server</a:t>
+              </a:r>
+            </a:p>
+          </p:txBody>
+        </p:sp>
+        <p:sp>
+          <p:nvSpPr>
+            <p:cNvPr id="81" name="Rectangle 80">
+              <a:extLst>
+                <a:ext uri="{FF2B5EF4-FFF2-40B4-BE49-F238E27FC236}">
+                  <a16:creationId xmlns:a16="http://schemas.microsoft.com/office/drawing/2014/main" id="{5BD550D5-E198-13DA-189B-0AF8184A0B00}"/>
+                </a:ext>
+              </a:extLst>
+            </p:cNvPr>
+            <p:cNvSpPr/>
+            <p:nvPr/>
+          </p:nvSpPr>
+          <p:spPr>
+            <a:xfrm>
+              <a:off x="4714874" y="4933950"/>
+              <a:ext cx="1714501" cy="419100"/>
+            </a:xfrm>
+            <a:prstGeom prst="rect">
+              <a:avLst/>
+            </a:prstGeom>
+          </p:spPr>
+          <p:style>
+            <a:lnRef idx="2">
+              <a:schemeClr val="accent1">
+                <a:shade val="50000"/>
+              </a:schemeClr>
+            </a:lnRef>
+            <a:fillRef idx="1">
+              <a:schemeClr val="accent1"/>
+            </a:fillRef>
+            <a:effectRef idx="0">
+              <a:schemeClr val="accent1"/>
+            </a:effectRef>
+            <a:fontRef idx="minor">
+              <a:schemeClr val="lt1"/>
+            </a:fontRef>
+          </p:style>
+          <p:txBody>
+            <a:bodyPr rtlCol="0" anchor="ctr"/>
+            <a:lstStyle/>
+            <a:p>
+              <a:pPr algn="ctr"/>
+              <a:r>
+                <a:rPr lang="en-US" sz="1800" b="1" dirty="0"/>
+                <a:t>RabbitMQ app</a:t>
+              </a:r>
+              <a:endParaRPr lang="en-US" dirty="0"/>
+            </a:p>
+          </p:txBody>
+        </p:sp>
+        <p:sp>
+          <p:nvSpPr>
+            <p:cNvPr id="82" name="Rectangle 81">
+              <a:extLst>
+                <a:ext uri="{FF2B5EF4-FFF2-40B4-BE49-F238E27FC236}">
+                  <a16:creationId xmlns:a16="http://schemas.microsoft.com/office/drawing/2014/main" id="{EA76D3E2-5CE9-2E72-C0AB-6A00E0AAC0C6}"/>
+                </a:ext>
+              </a:extLst>
+            </p:cNvPr>
+            <p:cNvSpPr/>
+            <p:nvPr/>
+          </p:nvSpPr>
+          <p:spPr>
+            <a:xfrm>
+              <a:off x="4552950" y="4581525"/>
+              <a:ext cx="1838325" cy="923925"/>
+            </a:xfrm>
+            <a:prstGeom prst="rect">
+              <a:avLst/>
+            </a:prstGeom>
+            <a:noFill/>
+          </p:spPr>
+          <p:style>
+            <a:lnRef idx="2">
+              <a:schemeClr val="accent1">
+                <a:shade val="50000"/>
+              </a:schemeClr>
+            </a:lnRef>
+            <a:fillRef idx="1">
+              <a:schemeClr val="accent1"/>
+            </a:fillRef>
+            <a:effectRef idx="0">
+              <a:schemeClr val="accent1"/>
+            </a:effectRef>
+            <a:fontRef idx="minor">
+              <a:schemeClr val="lt1"/>
+            </a:fontRef>
+          </p:style>
+          <p:txBody>
+            <a:bodyPr rtlCol="0" anchor="ctr"/>
+            <a:lstStyle/>
+            <a:p>
+              <a:pPr algn="ctr"/>
+              <a:endParaRPr lang="en-US"/>
+            </a:p>
+          </p:txBody>
+        </p:sp>
+      </p:grpSp>
+      <p:cxnSp>
+        <p:nvCxnSpPr>
+          <p:cNvPr id="83" name="Straight Arrow Connector 82">
+            <a:extLst>
+              <a:ext uri="{FF2B5EF4-FFF2-40B4-BE49-F238E27FC236}">
+                <a16:creationId xmlns:a16="http://schemas.microsoft.com/office/drawing/2014/main" id="{722E90F1-83AC-75DC-6963-34EC8DB705A3}"/>
+              </a:ext>
+            </a:extLst>
+          </p:cNvPr>
+          <p:cNvCxnSpPr>
+            <a:cxnSpLocks/>
+            <a:stCxn id="63" idx="1"/>
+          </p:cNvCxnSpPr>
+          <p:nvPr/>
+        </p:nvCxnSpPr>
+        <p:spPr>
+          <a:xfrm flipH="1">
+            <a:off x="3349490" y="-918963"/>
+            <a:ext cx="1162272" cy="167372"/>
+          </a:xfrm>
+          <a:prstGeom prst="straightConnector1">
+            <a:avLst/>
+          </a:prstGeom>
+          <a:ln>
+            <a:tailEnd type="triangle"/>
+          </a:ln>
+        </p:spPr>
+        <p:style>
+          <a:lnRef idx="1">
+            <a:schemeClr val="accent1"/>
+          </a:lnRef>
+          <a:fillRef idx="0">
+            <a:schemeClr val="accent1"/>
+          </a:fillRef>
+          <a:effectRef idx="0">
+            <a:schemeClr val="accent1"/>
+          </a:effectRef>
+          <a:fontRef idx="minor">
+            <a:schemeClr val="tx1"/>
+          </a:fontRef>
+        </p:style>
+      </p:cxnSp>
+      <p:cxnSp>
+        <p:nvCxnSpPr>
+          <p:cNvPr id="86" name="Straight Arrow Connector 85">
+            <a:extLst>
+              <a:ext uri="{FF2B5EF4-FFF2-40B4-BE49-F238E27FC236}">
+                <a16:creationId xmlns:a16="http://schemas.microsoft.com/office/drawing/2014/main" id="{19FB99E5-B1CB-4F61-0061-91153705E044}"/>
+              </a:ext>
+            </a:extLst>
+          </p:cNvPr>
+          <p:cNvCxnSpPr>
+            <a:cxnSpLocks/>
+          </p:cNvCxnSpPr>
+          <p:nvPr/>
+        </p:nvCxnSpPr>
+        <p:spPr>
+          <a:xfrm flipH="1" flipV="1">
+            <a:off x="3309445" y="-457001"/>
+            <a:ext cx="1202317" cy="1305180"/>
+          </a:xfrm>
+          <a:prstGeom prst="straightConnector1">
+            <a:avLst/>
+          </a:prstGeom>
+          <a:ln>
+            <a:tailEnd type="triangle"/>
+          </a:ln>
+        </p:spPr>
+        <p:style>
+          <a:lnRef idx="1">
+            <a:schemeClr val="accent1"/>
+          </a:lnRef>
+          <a:fillRef idx="0">
+            <a:schemeClr val="accent1"/>
+          </a:fillRef>
+          <a:effectRef idx="0">
+            <a:schemeClr val="accent1"/>
+          </a:effectRef>
+          <a:fontRef idx="minor">
+            <a:schemeClr val="tx1"/>
+          </a:fontRef>
+        </p:style>
+      </p:cxnSp>
+      <p:sp>
+        <p:nvSpPr>
+          <p:cNvPr id="73" name="TextBox 72">
+            <a:extLst>
+              <a:ext uri="{FF2B5EF4-FFF2-40B4-BE49-F238E27FC236}">
+                <a16:creationId xmlns:a16="http://schemas.microsoft.com/office/drawing/2014/main" id="{53559565-7A87-2490-6A91-35D6D375AB95}"/>
+              </a:ext>
+            </a:extLst>
+          </p:cNvPr>
+          <p:cNvSpPr txBox="1"/>
+          <p:nvPr/>
+        </p:nvSpPr>
+        <p:spPr>
+          <a:xfrm>
+            <a:off x="217465" y="-835277"/>
+            <a:ext cx="1169269" cy="369332"/>
+          </a:xfrm>
+          <a:prstGeom prst="rect">
+            <a:avLst/>
+          </a:prstGeom>
+          <a:noFill/>
+        </p:spPr>
+        <p:txBody>
+          <a:bodyPr wrap="square">
+            <a:spAutoFit/>
+          </a:bodyPr>
+          <a:lstStyle/>
+          <a:p>
+            <a:pPr algn="ctr"/>
+            <a:r>
+              <a:rPr lang="en-US" b="1" dirty="0"/>
+              <a:t>5671</a:t>
+            </a:r>
+            <a:endParaRPr lang="en-US" sz="1800" b="1" dirty="0"/>
+          </a:p>
+        </p:txBody>
+      </p:sp>
+      <p:sp>
+        <p:nvSpPr>
+          <p:cNvPr id="90" name="Cube 89">
+            <a:extLst>
+              <a:ext uri="{FF2B5EF4-FFF2-40B4-BE49-F238E27FC236}">
+                <a16:creationId xmlns:a16="http://schemas.microsoft.com/office/drawing/2014/main" id="{DEDFD9FA-0F43-C9DA-34ED-5B0DCFC14C44}"/>
+              </a:ext>
+            </a:extLst>
+          </p:cNvPr>
+          <p:cNvSpPr/>
+          <p:nvPr/>
+        </p:nvSpPr>
+        <p:spPr>
+          <a:xfrm>
+            <a:off x="1382694" y="274699"/>
+            <a:ext cx="2301585" cy="1533236"/>
+          </a:xfrm>
+          <a:prstGeom prst="cube">
+            <a:avLst/>
+          </a:prstGeom>
+          <a:noFill/>
+        </p:spPr>
+        <p:style>
+          <a:lnRef idx="2">
+            <a:schemeClr val="accent1">
+              <a:shade val="50000"/>
+            </a:schemeClr>
+          </a:lnRef>
+          <a:fillRef idx="1">
+            <a:schemeClr val="accent1"/>
+          </a:fillRef>
+          <a:effectRef idx="0">
+            <a:schemeClr val="accent1"/>
+          </a:effectRef>
+          <a:fontRef idx="minor">
+            <a:schemeClr val="lt1"/>
+          </a:fontRef>
+        </p:style>
+        <p:txBody>
+          <a:bodyPr rtlCol="0" anchor="ctr"/>
+          <a:lstStyle/>
+          <a:p>
+            <a:pPr algn="ctr"/>
+            <a:endParaRPr lang="en-US"/>
+          </a:p>
+        </p:txBody>
+      </p:sp>
+      <p:sp>
+        <p:nvSpPr>
+          <p:cNvPr id="91" name="TextBox 90">
+            <a:extLst>
+              <a:ext uri="{FF2B5EF4-FFF2-40B4-BE49-F238E27FC236}">
+                <a16:creationId xmlns:a16="http://schemas.microsoft.com/office/drawing/2014/main" id="{322C8CB9-9F63-1D14-ABCA-6687AEFA45E9}"/>
+              </a:ext>
+            </a:extLst>
+          </p:cNvPr>
+          <p:cNvSpPr txBox="1"/>
+          <p:nvPr/>
+        </p:nvSpPr>
+        <p:spPr>
+          <a:xfrm>
+            <a:off x="1894772" y="114401"/>
+            <a:ext cx="1415470" cy="369332"/>
+          </a:xfrm>
+          <a:prstGeom prst="rect">
+            <a:avLst/>
+          </a:prstGeom>
+          <a:noFill/>
+        </p:spPr>
+        <p:txBody>
+          <a:bodyPr wrap="square">
+            <a:spAutoFit/>
+          </a:bodyPr>
+          <a:lstStyle/>
+          <a:p>
+            <a:pPr algn="ctr"/>
+            <a:r>
+              <a:rPr lang="en-US" dirty="0"/>
+              <a:t>172.16.0.8</a:t>
+            </a:r>
+          </a:p>
+        </p:txBody>
+      </p:sp>
+      <p:sp>
+        <p:nvSpPr>
+          <p:cNvPr id="92" name="TextBox 91">
+            <a:extLst>
+              <a:ext uri="{FF2B5EF4-FFF2-40B4-BE49-F238E27FC236}">
+                <a16:creationId xmlns:a16="http://schemas.microsoft.com/office/drawing/2014/main" id="{6F85D67C-369D-5C96-EF54-F07BA0DBE16E}"/>
+              </a:ext>
+            </a:extLst>
+          </p:cNvPr>
+          <p:cNvSpPr txBox="1"/>
+          <p:nvPr/>
+        </p:nvSpPr>
+        <p:spPr>
+          <a:xfrm>
+            <a:off x="1846385" y="314456"/>
+            <a:ext cx="1643788" cy="338554"/>
+          </a:xfrm>
+          <a:prstGeom prst="rect">
+            <a:avLst/>
+          </a:prstGeom>
+          <a:noFill/>
+        </p:spPr>
+        <p:txBody>
+          <a:bodyPr wrap="square" rtlCol="0">
+            <a:spAutoFit/>
+          </a:bodyPr>
+          <a:lstStyle/>
+          <a:p>
+            <a:pPr algn="ctr"/>
+            <a:r>
+              <a:rPr lang="en-US" sz="1600" b="1" dirty="0"/>
+              <a:t>Docker container</a:t>
+            </a:r>
+          </a:p>
+        </p:txBody>
+      </p:sp>
+      <p:grpSp>
+        <p:nvGrpSpPr>
+          <p:cNvPr id="93" name="Group 92">
+            <a:extLst>
+              <a:ext uri="{FF2B5EF4-FFF2-40B4-BE49-F238E27FC236}">
+                <a16:creationId xmlns:a16="http://schemas.microsoft.com/office/drawing/2014/main" id="{BB4B2785-EDDF-3E92-3B58-41ACC890543D}"/>
+              </a:ext>
+            </a:extLst>
+          </p:cNvPr>
+          <p:cNvGrpSpPr/>
+          <p:nvPr/>
+        </p:nvGrpSpPr>
+        <p:grpSpPr>
+          <a:xfrm>
+            <a:off x="1420794" y="745047"/>
+            <a:ext cx="1838325" cy="952582"/>
+            <a:chOff x="4552950" y="4552868"/>
+            <a:chExt cx="1838325" cy="952582"/>
+          </a:xfrm>
+        </p:grpSpPr>
+        <p:sp>
+          <p:nvSpPr>
+            <p:cNvPr id="94" name="TextBox 93">
+              <a:extLst>
+                <a:ext uri="{FF2B5EF4-FFF2-40B4-BE49-F238E27FC236}">
+                  <a16:creationId xmlns:a16="http://schemas.microsoft.com/office/drawing/2014/main" id="{CD9B2596-CEFF-F00E-B56E-35BF42F43343}"/>
+                </a:ext>
+              </a:extLst>
+            </p:cNvPr>
+            <p:cNvSpPr txBox="1"/>
+            <p:nvPr/>
+          </p:nvSpPr>
+          <p:spPr>
+            <a:xfrm>
+              <a:off x="4682981" y="4552868"/>
+              <a:ext cx="1704973" cy="338554"/>
+            </a:xfrm>
+            <a:prstGeom prst="rect">
+              <a:avLst/>
+            </a:prstGeom>
+            <a:noFill/>
+          </p:spPr>
+          <p:txBody>
+            <a:bodyPr wrap="square" rtlCol="0">
+              <a:spAutoFit/>
+            </a:bodyPr>
+            <a:lstStyle/>
+            <a:p>
+              <a:pPr algn="ctr"/>
+              <a:r>
+                <a:rPr lang="en-US" sz="1600" b="1" dirty="0"/>
+                <a:t>Chat Sever</a:t>
+              </a:r>
+            </a:p>
+          </p:txBody>
+        </p:sp>
+        <p:sp>
+          <p:nvSpPr>
+            <p:cNvPr id="95" name="Rectangle 94">
+              <a:extLst>
+                <a:ext uri="{FF2B5EF4-FFF2-40B4-BE49-F238E27FC236}">
+                  <a16:creationId xmlns:a16="http://schemas.microsoft.com/office/drawing/2014/main" id="{9F07B7D3-8F55-0EA1-E1D5-B68B5E5091CC}"/>
+                </a:ext>
+              </a:extLst>
+            </p:cNvPr>
+            <p:cNvSpPr/>
+            <p:nvPr/>
+          </p:nvSpPr>
+          <p:spPr>
+            <a:xfrm>
+              <a:off x="4682982" y="4933950"/>
+              <a:ext cx="1546368" cy="419100"/>
+            </a:xfrm>
+            <a:prstGeom prst="rect">
+              <a:avLst/>
+            </a:prstGeom>
+          </p:spPr>
+          <p:style>
+            <a:lnRef idx="2">
+              <a:schemeClr val="accent1">
+                <a:shade val="50000"/>
+              </a:schemeClr>
+            </a:lnRef>
+            <a:fillRef idx="1">
+              <a:schemeClr val="accent1"/>
+            </a:fillRef>
+            <a:effectRef idx="0">
+              <a:schemeClr val="accent1"/>
+            </a:effectRef>
+            <a:fontRef idx="minor">
+              <a:schemeClr val="lt1"/>
+            </a:fontRef>
+          </p:style>
+          <p:txBody>
+            <a:bodyPr rtlCol="0" anchor="ctr"/>
+            <a:lstStyle/>
+            <a:p>
+              <a:pPr algn="ctr"/>
+              <a:r>
+                <a:rPr lang="en-US" dirty="0"/>
+                <a:t>Chat app</a:t>
+              </a:r>
+            </a:p>
+          </p:txBody>
+        </p:sp>
+        <p:sp>
+          <p:nvSpPr>
+            <p:cNvPr id="96" name="Rectangle 95">
+              <a:extLst>
+                <a:ext uri="{FF2B5EF4-FFF2-40B4-BE49-F238E27FC236}">
+                  <a16:creationId xmlns:a16="http://schemas.microsoft.com/office/drawing/2014/main" id="{40FDB5DA-20E4-200E-5692-D84D0DD48FA7}"/>
+                </a:ext>
+              </a:extLst>
+            </p:cNvPr>
+            <p:cNvSpPr/>
+            <p:nvPr/>
+          </p:nvSpPr>
+          <p:spPr>
+            <a:xfrm>
+              <a:off x="4552950" y="4581525"/>
+              <a:ext cx="1838325" cy="923925"/>
+            </a:xfrm>
+            <a:prstGeom prst="rect">
+              <a:avLst/>
+            </a:prstGeom>
+            <a:noFill/>
+          </p:spPr>
+          <p:style>
+            <a:lnRef idx="2">
+              <a:schemeClr val="accent1">
+                <a:shade val="50000"/>
+              </a:schemeClr>
+            </a:lnRef>
+            <a:fillRef idx="1">
+              <a:schemeClr val="accent1"/>
+            </a:fillRef>
+            <a:effectRef idx="0">
+              <a:schemeClr val="accent1"/>
+            </a:effectRef>
+            <a:fontRef idx="minor">
+              <a:schemeClr val="lt1"/>
+            </a:fontRef>
+          </p:style>
+          <p:txBody>
+            <a:bodyPr rtlCol="0" anchor="ctr"/>
+            <a:lstStyle/>
+            <a:p>
+              <a:pPr algn="ctr"/>
+              <a:endParaRPr lang="en-US"/>
+            </a:p>
+          </p:txBody>
+        </p:sp>
+      </p:grpSp>
+      <p:sp>
+        <p:nvSpPr>
+          <p:cNvPr id="97" name="TextBox 96">
+            <a:extLst>
+              <a:ext uri="{FF2B5EF4-FFF2-40B4-BE49-F238E27FC236}">
+                <a16:creationId xmlns:a16="http://schemas.microsoft.com/office/drawing/2014/main" id="{26E5CDB5-3BC4-6ADB-CDEB-E5A553C4EF55}"/>
+              </a:ext>
+            </a:extLst>
+          </p:cNvPr>
+          <p:cNvSpPr txBox="1"/>
+          <p:nvPr/>
+        </p:nvSpPr>
+        <p:spPr>
+          <a:xfrm>
+            <a:off x="433744" y="1091375"/>
+            <a:ext cx="1169269" cy="369332"/>
+          </a:xfrm>
+          <a:prstGeom prst="rect">
+            <a:avLst/>
+          </a:prstGeom>
+          <a:noFill/>
+        </p:spPr>
+        <p:txBody>
+          <a:bodyPr wrap="square">
+            <a:spAutoFit/>
+          </a:bodyPr>
+          <a:lstStyle/>
+          <a:p>
+            <a:pPr algn="ctr"/>
+            <a:r>
+              <a:rPr lang="en-US" sz="1800" b="1" dirty="0"/>
+              <a:t>8083</a:t>
+            </a:r>
+          </a:p>
+        </p:txBody>
+      </p:sp>
+      <p:cxnSp>
+        <p:nvCxnSpPr>
+          <p:cNvPr id="98" name="Straight Arrow Connector 97">
+            <a:extLst>
+              <a:ext uri="{FF2B5EF4-FFF2-40B4-BE49-F238E27FC236}">
+                <a16:creationId xmlns:a16="http://schemas.microsoft.com/office/drawing/2014/main" id="{F7104FCF-F496-39CB-C802-28350890E808}"/>
+              </a:ext>
+            </a:extLst>
+          </p:cNvPr>
+          <p:cNvCxnSpPr>
+            <a:cxnSpLocks/>
+          </p:cNvCxnSpPr>
+          <p:nvPr/>
+        </p:nvCxnSpPr>
+        <p:spPr>
+          <a:xfrm flipH="1" flipV="1">
+            <a:off x="1432303" y="1739370"/>
+            <a:ext cx="3275272" cy="4707729"/>
+          </a:xfrm>
+          <a:prstGeom prst="straightConnector1">
+            <a:avLst/>
+          </a:prstGeom>
+          <a:ln>
+            <a:tailEnd type="triangle"/>
+          </a:ln>
+        </p:spPr>
+        <p:style>
+          <a:lnRef idx="1">
+            <a:schemeClr val="accent1"/>
+          </a:lnRef>
+          <a:fillRef idx="0">
+            <a:schemeClr val="accent1"/>
+          </a:fillRef>
+          <a:effectRef idx="0">
+            <a:schemeClr val="accent1"/>
+          </a:effectRef>
+          <a:fontRef idx="minor">
+            <a:schemeClr val="tx1"/>
+          </a:fontRef>
+        </p:style>
+      </p:cxnSp>
+      <p:sp>
+        <p:nvSpPr>
+          <p:cNvPr id="101" name="TextBox 100">
+            <a:extLst>
+              <a:ext uri="{FF2B5EF4-FFF2-40B4-BE49-F238E27FC236}">
+                <a16:creationId xmlns:a16="http://schemas.microsoft.com/office/drawing/2014/main" id="{3B5228D5-38C0-1252-3210-7414A10F4EB7}"/>
+              </a:ext>
+            </a:extLst>
+          </p:cNvPr>
+          <p:cNvSpPr txBox="1"/>
+          <p:nvPr/>
+        </p:nvSpPr>
+        <p:spPr>
+          <a:xfrm>
+            <a:off x="2617694" y="5095881"/>
+            <a:ext cx="1723017" cy="369332"/>
+          </a:xfrm>
+          <a:prstGeom prst="rect">
+            <a:avLst/>
+          </a:prstGeom>
+          <a:noFill/>
+        </p:spPr>
+        <p:txBody>
+          <a:bodyPr wrap="square">
+            <a:spAutoFit/>
+          </a:bodyPr>
+          <a:lstStyle/>
+          <a:p>
+            <a:pPr algn="ctr"/>
+            <a:r>
+              <a:rPr lang="en-US" dirty="0"/>
+              <a:t>Localhost:8083</a:t>
             </a:r>
           </a:p>
         </p:txBody>
@@ -9081,6 +13055,12 @@
 </file>
 
 <file path=customXml/item1.xml><?xml version="1.0" encoding="utf-8"?>
+<p:properties xmlns:p="http://schemas.microsoft.com/office/2006/metadata/properties" xmlns:xsi="http://www.w3.org/2001/XMLSchema-instance" xmlns:pc="http://schemas.microsoft.com/office/infopath/2007/PartnerControls">
+  <documentManagement/>
+</p:properties>
+</file>
+
+<file path=customXml/item2.xml><?xml version="1.0" encoding="utf-8"?>
 <ct:contentTypeSchema xmlns:ct="http://schemas.microsoft.com/office/2006/metadata/contentType" xmlns:ma="http://schemas.microsoft.com/office/2006/metadata/properties/metaAttributes" ct:_="" ma:_="" ma:contentTypeName="Document" ma:contentTypeID="0x0101007B19287281AD4F4D899A52923C1C6898" ma:contentTypeVersion="0" ma:contentTypeDescription="Create a new document." ma:contentTypeScope="" ma:versionID="a93c29bd66e8d190da462f9805b40f38">
   <xsd:schema xmlns:xsd="http://www.w3.org/2001/XMLSchema" xmlns:xs="http://www.w3.org/2001/XMLSchema" xmlns:p="http://schemas.microsoft.com/office/2006/metadata/properties" targetNamespace="http://schemas.microsoft.com/office/2006/metadata/properties" ma:root="true" ma:fieldsID="31d5eec3c12ee2e8127422d567928fa7">
     <xsd:element name="properties">
@@ -9194,7 +13174,7 @@
 </ct:contentTypeSchema>
 </file>
 
-<file path=customXml/item2.xml><?xml version="1.0" encoding="utf-8"?>
+<file path=customXml/item3.xml><?xml version="1.0" encoding="utf-8"?>
 <?mso-contentType ?>
 <FormTemplates xmlns="http://schemas.microsoft.com/sharepoint/v3/contenttype/forms">
   <Display>DocumentLibraryForm</Display>
@@ -9203,13 +13183,16 @@
 </FormTemplates>
 </file>
 
-<file path=customXml/item3.xml><?xml version="1.0" encoding="utf-8"?>
-<p:properties xmlns:p="http://schemas.microsoft.com/office/2006/metadata/properties" xmlns:xsi="http://www.w3.org/2001/XMLSchema-instance" xmlns:pc="http://schemas.microsoft.com/office/infopath/2007/PartnerControls">
-  <documentManagement/>
-</p:properties>
+<file path=customXml/itemProps1.xml><?xml version="1.0" encoding="utf-8"?>
+<ds:datastoreItem xmlns:ds="http://schemas.openxmlformats.org/officeDocument/2006/customXml" ds:itemID="{D229AED5-EA08-4A82-B783-7B2996633926}">
+  <ds:schemaRefs>
+    <ds:schemaRef ds:uri="http://schemas.microsoft.com/office/2006/metadata/properties"/>
+    <ds:schemaRef ds:uri="http://schemas.microsoft.com/office/infopath/2007/PartnerControls"/>
+  </ds:schemaRefs>
+</ds:datastoreItem>
 </file>
 
-<file path=customXml/itemProps1.xml><?xml version="1.0" encoding="utf-8"?>
+<file path=customXml/itemProps2.xml><?xml version="1.0" encoding="utf-8"?>
 <ds:datastoreItem xmlns:ds="http://schemas.openxmlformats.org/officeDocument/2006/customXml" ds:itemID="{DA20DECF-2CE4-44E2-A777-845463263B63}">
   <ds:schemaRefs>
     <ds:schemaRef ds:uri="http://schemas.microsoft.com/office/2006/metadata/contentType"/>
@@ -9225,19 +13208,10 @@
 </ds:datastoreItem>
 </file>
 
-<file path=customXml/itemProps2.xml><?xml version="1.0" encoding="utf-8"?>
+<file path=customXml/itemProps3.xml><?xml version="1.0" encoding="utf-8"?>
 <ds:datastoreItem xmlns:ds="http://schemas.openxmlformats.org/officeDocument/2006/customXml" ds:itemID="{0325A6FF-5A03-434D-A212-DE872C37467E}">
   <ds:schemaRefs>
     <ds:schemaRef ds:uri="http://schemas.microsoft.com/sharepoint/v3/contenttype/forms"/>
   </ds:schemaRefs>
 </ds:datastoreItem>
-</file>
-
-<file path=customXml/itemProps3.xml><?xml version="1.0" encoding="utf-8"?>
-<ds:datastoreItem xmlns:ds="http://schemas.openxmlformats.org/officeDocument/2006/customXml" ds:itemID="{D229AED5-EA08-4A82-B783-7B2996633926}">
-  <ds:schemaRefs>
-    <ds:schemaRef ds:uri="http://schemas.microsoft.com/office/2006/metadata/properties"/>
-    <ds:schemaRef ds:uri="http://schemas.microsoft.com/office/infopath/2007/PartnerControls"/>
-  </ds:schemaRefs>
-</ds:datastoreItem>
 </file>